--- a/Ilustrações/poster_PA_LESI.pptx
+++ b/Ilustrações/poster_PA_LESI.pptx
@@ -2556,6 +2556,25 @@
           </a:effectRef>
           <a:fontRef idx="minor"/>
         </p:style>
+        <p:txBody>
+          <a:bodyPr/>
+          <a:lstStyle/>
+          <a:p>
+            <a:endParaRPr lang="pt-PT" dirty="0"/>
+          </a:p>
+          <a:p>
+            <a:endParaRPr lang="pt-PT" dirty="0"/>
+          </a:p>
+          <a:p>
+            <a:endParaRPr lang="pt-PT" dirty="0"/>
+          </a:p>
+          <a:p>
+            <a:endParaRPr lang="pt-PT" dirty="0"/>
+          </a:p>
+          <a:p>
+            <a:endParaRPr lang="pt-PT" dirty="0"/>
+          </a:p>
+        </p:txBody>
       </p:sp>
       <p:pic>
         <p:nvPicPr>
@@ -2694,7 +2713,7 @@
               </a:lnSpc>
             </a:pPr>
             <a:r>
-              <a:rPr lang="pt-PT" sz="3600" b="1" strike="noStrike" spc="-1">
+              <a:rPr lang="pt-PT" sz="3600" b="1" strike="noStrike" spc="-1" dirty="0">
                 <a:solidFill>
                   <a:srgbClr val="004B87"/>
                 </a:solidFill>
@@ -2702,7 +2721,7 @@
               </a:rPr>
               <a:t>RESULTS AND CONCLUSIONS</a:t>
             </a:r>
-            <a:endParaRPr lang="en-US" sz="3600" b="0" strike="noStrike" spc="-1">
+            <a:endParaRPr lang="en-US" sz="3600" b="0" strike="noStrike" spc="-1" dirty="0">
               <a:latin typeface="Arial"/>
             </a:endParaRPr>
           </a:p>
@@ -2751,15 +2770,42 @@
               </a:lnSpc>
             </a:pPr>
             <a:r>
-              <a:rPr lang="pt-PT" sz="2400" b="0" strike="noStrike" spc="-1">
+              <a:rPr lang="pt-PT" sz="2400" b="0" strike="noStrike" spc="-1" dirty="0" err="1">
                 <a:solidFill>
                   <a:srgbClr val="004B87"/>
                 </a:solidFill>
                 <a:latin typeface="Calibri"/>
               </a:rPr>
-              <a:t>Write here...</a:t>
-            </a:r>
-            <a:endParaRPr lang="en-US" sz="2400" b="0" strike="noStrike" spc="-1">
+              <a:t>Write</a:t>
+            </a:r>
+            <a:r>
+              <a:rPr lang="pt-PT" sz="2400" b="0" strike="noStrike" spc="-1" dirty="0">
+                <a:solidFill>
+                  <a:srgbClr val="004B87"/>
+                </a:solidFill>
+                <a:latin typeface="Calibri"/>
+              </a:rPr>
+              <a:t> </a:t>
+            </a:r>
+            <a:r>
+              <a:rPr lang="pt-PT" sz="2400" b="0" strike="noStrike" spc="-1" dirty="0" err="1">
+                <a:solidFill>
+                  <a:srgbClr val="004B87"/>
+                </a:solidFill>
+                <a:latin typeface="Calibri"/>
+              </a:rPr>
+              <a:t>here</a:t>
+            </a:r>
+            <a:r>
+              <a:rPr lang="pt-PT" sz="2400" b="0" strike="noStrike" spc="-1" dirty="0">
+                <a:solidFill>
+                  <a:srgbClr val="004B87"/>
+                </a:solidFill>
+                <a:latin typeface="Calibri"/>
+              </a:rPr>
+              <a:t>...</a:t>
+            </a:r>
+            <a:endParaRPr lang="en-US" sz="2400" b="0" strike="noStrike" spc="-1" dirty="0">
               <a:latin typeface="Arial"/>
             </a:endParaRPr>
           </a:p>
@@ -2808,15 +2854,42 @@
               </a:lnSpc>
             </a:pPr>
             <a:r>
-              <a:rPr lang="pt-PT" sz="2400" b="0" strike="noStrike" spc="-1">
+              <a:rPr lang="pt-PT" sz="2400" b="0" strike="noStrike" spc="-1" dirty="0" err="1">
                 <a:solidFill>
                   <a:srgbClr val="004B87"/>
                 </a:solidFill>
                 <a:latin typeface="Calibri"/>
               </a:rPr>
-              <a:t>Write here...</a:t>
-            </a:r>
-            <a:endParaRPr lang="en-US" sz="2400" b="0" strike="noStrike" spc="-1">
+              <a:t>Write</a:t>
+            </a:r>
+            <a:r>
+              <a:rPr lang="pt-PT" sz="2400" b="0" strike="noStrike" spc="-1" dirty="0">
+                <a:solidFill>
+                  <a:srgbClr val="004B87"/>
+                </a:solidFill>
+                <a:latin typeface="Calibri"/>
+              </a:rPr>
+              <a:t> </a:t>
+            </a:r>
+            <a:r>
+              <a:rPr lang="pt-PT" sz="2400" b="0" strike="noStrike" spc="-1" dirty="0" err="1">
+                <a:solidFill>
+                  <a:srgbClr val="004B87"/>
+                </a:solidFill>
+                <a:latin typeface="Calibri"/>
+              </a:rPr>
+              <a:t>here</a:t>
+            </a:r>
+            <a:r>
+              <a:rPr lang="pt-PT" sz="2400" b="0" strike="noStrike" spc="-1" dirty="0">
+                <a:solidFill>
+                  <a:srgbClr val="004B87"/>
+                </a:solidFill>
+                <a:latin typeface="Calibri"/>
+              </a:rPr>
+              <a:t>...</a:t>
+            </a:r>
+            <a:endParaRPr lang="en-US" sz="2400" b="0" strike="noStrike" spc="-1" dirty="0">
               <a:latin typeface="Arial"/>
             </a:endParaRPr>
           </a:p>
@@ -2867,7 +2940,7 @@
               </a:lnSpc>
             </a:pPr>
             <a:r>
-              <a:rPr lang="pt-PT" sz="3600" b="1" strike="noStrike" spc="-1">
+              <a:rPr lang="pt-PT" sz="3600" b="1" strike="noStrike" spc="-1" dirty="0">
                 <a:solidFill>
                   <a:srgbClr val="004B87"/>
                 </a:solidFill>
@@ -2875,7 +2948,7 @@
               </a:rPr>
               <a:t>METHODOLOGY</a:t>
             </a:r>
-            <a:endParaRPr lang="en-US" sz="3600" b="0" strike="noStrike" spc="-1">
+            <a:endParaRPr lang="en-US" sz="3600" b="0" strike="noStrike" spc="-1" dirty="0">
               <a:latin typeface="Arial"/>
             </a:endParaRPr>
           </a:p>
@@ -2928,7 +3001,7 @@
               </a:lnSpc>
             </a:pPr>
             <a:r>
-              <a:rPr lang="pt-PT" sz="3600" b="1" strike="noStrike" spc="-1">
+              <a:rPr lang="pt-PT" sz="3600" b="1" strike="noStrike" spc="-1" dirty="0">
                 <a:solidFill>
                   <a:srgbClr val="004B87"/>
                 </a:solidFill>
@@ -2936,7 +3009,7 @@
               </a:rPr>
               <a:t>BACKGROUND</a:t>
             </a:r>
-            <a:endParaRPr lang="en-US" sz="3600" b="0" strike="noStrike" spc="-1">
+            <a:endParaRPr lang="en-US" sz="3600" b="0" strike="noStrike" spc="-1" dirty="0">
               <a:latin typeface="Arial"/>
             </a:endParaRPr>
           </a:p>
@@ -2989,7 +3062,7 @@
               </a:lnSpc>
             </a:pPr>
             <a:r>
-              <a:rPr lang="pt-PT" sz="3600" b="1" strike="noStrike" spc="-1">
+              <a:rPr lang="pt-PT" sz="3600" b="1" strike="noStrike" spc="-1" dirty="0">
                 <a:solidFill>
                   <a:srgbClr val="004B87"/>
                 </a:solidFill>
@@ -2997,7 +3070,7 @@
               </a:rPr>
               <a:t>OBJECTIVES</a:t>
             </a:r>
-            <a:endParaRPr lang="en-US" sz="3600" b="0" strike="noStrike" spc="-1">
+            <a:endParaRPr lang="en-US" sz="3600" b="0" strike="noStrike" spc="-1" dirty="0">
               <a:latin typeface="Arial"/>
             </a:endParaRPr>
           </a:p>
@@ -3012,7 +3085,7 @@
         <p:spPr>
           <a:xfrm>
             <a:off x="1525680" y="5771880"/>
-            <a:ext cx="5151240" cy="471240"/>
+            <a:ext cx="5151240" cy="6681594"/>
           </a:xfrm>
           <a:prstGeom prst="rect">
             <a:avLst/>
@@ -3040,22 +3113,33 @@
           </a:bodyPr>
           <a:lstStyle/>
           <a:p>
-            <a:pPr algn="just">
+            <a:pPr>
               <a:lnSpc>
-                <a:spcPts val="2999"/>
+                <a:spcPct val="150000"/>
               </a:lnSpc>
             </a:pPr>
             <a:r>
-              <a:rPr lang="pt-PT" sz="2400" b="0" strike="noStrike" spc="-1">
-                <a:solidFill>
-                  <a:srgbClr val="004B87"/>
-                </a:solidFill>
-                <a:latin typeface="Calibri"/>
-              </a:rPr>
-              <a:t>Write here...</a:t>
-            </a:r>
-            <a:endParaRPr lang="en-US" sz="2400" b="0" strike="noStrike" spc="-1">
-              <a:latin typeface="Arial"/>
+              <a:rPr lang="pt-PT" sz="2400" dirty="0">
+                <a:solidFill>
+                  <a:schemeClr val="accent1">
+                    <a:lumMod val="50000"/>
+                  </a:schemeClr>
+                </a:solidFill>
+                <a:latin typeface="Calibri" panose="020F0502020204030204" pitchFamily="34" charset="0"/>
+                <a:ea typeface="Calibri" panose="020F0502020204030204" pitchFamily="34" charset="0"/>
+                <a:cs typeface="Calibri" panose="020F0502020204030204" pitchFamily="34" charset="0"/>
+              </a:rPr>
+              <a:t>O IPCA GYM nasce após notar-se a necessidade do acompanhamento da vida saudável e atlética dos estudantes e a falta de um setor que permita a atividade aos jovens, no sentido de incentivar aos estudantes a realizar um estilo de vida saudável. Será então possível aos estudantes terem um acompanhamento mobile da sua atividade física, tal como os diferentes exercícios que pode fazer ao longo do seu treino. </a:t>
+            </a:r>
+            <a:endParaRPr lang="en-US" sz="2400" b="0" strike="noStrike" spc="-1" dirty="0">
+              <a:solidFill>
+                <a:schemeClr val="accent1">
+                  <a:lumMod val="50000"/>
+                </a:schemeClr>
+              </a:solidFill>
+              <a:latin typeface="Calibri" panose="020F0502020204030204" pitchFamily="34" charset="0"/>
+              <a:ea typeface="Calibri" panose="020F0502020204030204" pitchFamily="34" charset="0"/>
+              <a:cs typeface="Calibri" panose="020F0502020204030204" pitchFamily="34" charset="0"/>
             </a:endParaRPr>
           </a:p>
         </p:txBody>
@@ -3183,7 +3267,7 @@
         <p:spPr>
           <a:xfrm>
             <a:off x="7918200" y="5695560"/>
-            <a:ext cx="5712120" cy="3137400"/>
+            <a:ext cx="5712120" cy="2768984"/>
           </a:xfrm>
           <a:prstGeom prst="rect">
             <a:avLst/>
@@ -3206,7 +3290,7 @@
           <a:fontRef idx="minor"/>
         </p:style>
         <p:txBody>
-          <a:bodyPr lIns="90000" tIns="45000" rIns="90000" bIns="45000">
+          <a:bodyPr wrap="square" lIns="90000" tIns="45000" rIns="90000" bIns="45000">
             <a:spAutoFit/>
           </a:bodyPr>
           <a:lstStyle/>
@@ -3217,62 +3301,49 @@
               </a:lnSpc>
             </a:pPr>
             <a:r>
+              <a:rPr lang="pt-PT" sz="2400" dirty="0">
+                <a:solidFill>
+                  <a:srgbClr val="004B87"/>
+                </a:solidFill>
+                <a:latin typeface="Calibri" panose="020F0502020204030204" pitchFamily="34" charset="0"/>
+                <a:ea typeface="Calibri" panose="020F0502020204030204" pitchFamily="34" charset="0"/>
+                <a:cs typeface="Calibri" panose="020F0502020204030204" pitchFamily="34" charset="0"/>
+              </a:rPr>
+              <a:t>Criar um sistema que ajude a gerir um </a:t>
+            </a:r>
+            <a:r>
               <a:rPr lang="pt-PT" sz="2400" b="0" strike="noStrike" spc="-1" dirty="0" err="1">
                 <a:solidFill>
                   <a:srgbClr val="004B87"/>
                 </a:solidFill>
-                <a:latin typeface="Calibri"/>
-              </a:rPr>
-              <a:t>Write</a:t>
-            </a:r>
-            <a:r>
-              <a:rPr lang="pt-PT" sz="2400" b="0" strike="noStrike" spc="-1" dirty="0">
+                <a:latin typeface="Calibri" panose="020F0502020204030204" pitchFamily="34" charset="0"/>
+                <a:ea typeface="Calibri" panose="020F0502020204030204" pitchFamily="34" charset="0"/>
+                <a:cs typeface="Calibri" panose="020F0502020204030204" pitchFamily="34" charset="0"/>
+              </a:rPr>
+              <a:t>d</a:t>
+            </a:r>
+            <a:r>
+              <a:rPr lang="pt-PT" sz="2400" dirty="0" err="1">
                 <a:solidFill>
                   <a:srgbClr val="004B87"/>
                 </a:solidFill>
-                <a:latin typeface="Calibri"/>
-              </a:rPr>
-              <a:t> </a:t>
-            </a:r>
-            <a:r>
-              <a:rPr lang="pt-PT" sz="2400" b="0" strike="noStrike" spc="-1" dirty="0" err="1">
+                <a:latin typeface="Calibri" panose="020F0502020204030204" pitchFamily="34" charset="0"/>
+                <a:ea typeface="Calibri" panose="020F0502020204030204" pitchFamily="34" charset="0"/>
+                <a:cs typeface="Calibri" panose="020F0502020204030204" pitchFamily="34" charset="0"/>
+              </a:rPr>
+              <a:t>ginásio</a:t>
+            </a:r>
+            <a:r>
+              <a:rPr lang="pt-PT" sz="2400" dirty="0">
                 <a:solidFill>
                   <a:srgbClr val="004B87"/>
                 </a:solidFill>
-                <a:latin typeface="Calibri"/>
-              </a:rPr>
-              <a:t>heWrite</a:t>
-            </a:r>
-            <a:r>
-              <a:rPr lang="pt-PT" sz="2400" b="0" strike="noStrike" spc="-1" dirty="0">
-                <a:solidFill>
-                  <a:srgbClr val="004B87"/>
-                </a:solidFill>
-                <a:latin typeface="Calibri"/>
-              </a:rPr>
-              <a:t> </a:t>
-            </a:r>
-            <a:r>
-              <a:rPr lang="pt-PT" sz="2400" b="0" strike="noStrike" spc="-1" dirty="0" err="1">
-                <a:solidFill>
-                  <a:srgbClr val="004B87"/>
-                </a:solidFill>
-                <a:latin typeface="Calibri"/>
-              </a:rPr>
-              <a:t>here</a:t>
-            </a:r>
-            <a:r>
-              <a:rPr lang="pt-PT" sz="2400" b="0" strike="noStrike" spc="-1" dirty="0">
-                <a:solidFill>
-                  <a:srgbClr val="004B87"/>
-                </a:solidFill>
-                <a:latin typeface="Calibri"/>
-              </a:rPr>
-              <a:t>...</a:t>
-            </a:r>
-            <a:endParaRPr lang="en-US" sz="2400" b="0" strike="noStrike" spc="-1" dirty="0">
-              <a:latin typeface="Arial"/>
-            </a:endParaRPr>
+                <a:latin typeface="Calibri" panose="020F0502020204030204" pitchFamily="34" charset="0"/>
+                <a:ea typeface="Calibri" panose="020F0502020204030204" pitchFamily="34" charset="0"/>
+                <a:cs typeface="Calibri" panose="020F0502020204030204" pitchFamily="34" charset="0"/>
+              </a:rPr>
+              <a:t>, ao nível de:</a:t>
+            </a:r>
           </a:p>
           <a:p>
             <a:pPr algn="just">
@@ -3280,138 +3351,111 @@
                 <a:spcPts val="2999"/>
               </a:lnSpc>
             </a:pPr>
-            <a:endParaRPr lang="en-US" sz="2400" b="0" strike="noStrike" spc="-1" dirty="0">
-              <a:latin typeface="Arial"/>
-            </a:endParaRPr>
-          </a:p>
-          <a:p>
-            <a:pPr marL="457200" indent="-456840" algn="just">
+            <a:endParaRPr lang="pt-PT" sz="2400" spc="-1" dirty="0">
+              <a:solidFill>
+                <a:schemeClr val="accent1">
+                  <a:lumMod val="50000"/>
+                </a:schemeClr>
+              </a:solidFill>
+              <a:latin typeface="Calibri"/>
+            </a:endParaRPr>
+          </a:p>
+          <a:p>
+            <a:pPr marL="343080" indent="-342720" algn="just">
               <a:lnSpc>
                 <a:spcPts val="2999"/>
               </a:lnSpc>
-              <a:buClr>
-                <a:srgbClr val="004B87"/>
-              </a:buClr>
-              <a:buFont typeface="Calibri Light"/>
-              <a:buAutoNum type="arabicPeriod"/>
+              <a:buSzPct val="100000"/>
+              <a:buBlip>
+                <a:blip r:embed="rId3"/>
+              </a:buBlip>
             </a:pPr>
             <a:r>
-              <a:rPr lang="pt-PT" sz="2400" b="0" strike="noStrike" spc="-1" dirty="0">
-                <a:solidFill>
-                  <a:srgbClr val="004B87"/>
-                </a:solidFill>
-                <a:latin typeface="Calibri"/>
-              </a:rPr>
-              <a:t>Item da lista 1</a:t>
-            </a:r>
-            <a:endParaRPr lang="en-US" sz="2400" b="0" strike="noStrike" spc="-1" dirty="0">
-              <a:latin typeface="Arial"/>
-            </a:endParaRPr>
-          </a:p>
-          <a:p>
-            <a:pPr marL="457200" indent="-456840" algn="just">
+              <a:rPr lang="pt-PT" sz="2400" spc="-1" dirty="0">
+                <a:solidFill>
+                  <a:schemeClr val="accent1">
+                    <a:lumMod val="50000"/>
+                  </a:schemeClr>
+                </a:solidFill>
+                <a:latin typeface="Calibri"/>
+              </a:rPr>
+              <a:t>Lotação</a:t>
+            </a:r>
+          </a:p>
+          <a:p>
+            <a:pPr marL="343080" indent="-342720" algn="just">
               <a:lnSpc>
                 <a:spcPts val="2999"/>
               </a:lnSpc>
-              <a:buClr>
-                <a:srgbClr val="004B87"/>
-              </a:buClr>
-              <a:buFont typeface="Calibri Light"/>
-              <a:buAutoNum type="arabicPeriod"/>
+              <a:buSzPct val="100000"/>
+              <a:buBlip>
+                <a:blip r:embed="rId3"/>
+              </a:buBlip>
             </a:pPr>
             <a:r>
               <a:rPr lang="pt-PT" sz="2400" b="0" strike="noStrike" spc="-1" dirty="0">
                 <a:solidFill>
-                  <a:srgbClr val="004B87"/>
-                </a:solidFill>
-                <a:latin typeface="Calibri"/>
-              </a:rPr>
-              <a:t>tem da lista 2</a:t>
-            </a:r>
-            <a:endParaRPr lang="en-US" sz="2400" b="0" strike="noStrike" spc="-1" dirty="0">
-              <a:latin typeface="Arial"/>
-            </a:endParaRPr>
-          </a:p>
-          <a:p>
-            <a:pPr marL="457200" indent="-456840" algn="just">
+                  <a:schemeClr val="accent1">
+                    <a:lumMod val="50000"/>
+                  </a:schemeClr>
+                </a:solidFill>
+                <a:latin typeface="Calibri"/>
+              </a:rPr>
+              <a:t>Utilizadores</a:t>
+            </a:r>
+          </a:p>
+          <a:p>
+            <a:pPr marL="343080" indent="-342720" algn="just">
               <a:lnSpc>
                 <a:spcPts val="2999"/>
               </a:lnSpc>
-              <a:buClr>
-                <a:srgbClr val="004B87"/>
-              </a:buClr>
-              <a:buFont typeface="Calibri Light"/>
-              <a:buAutoNum type="arabicPeriod"/>
+              <a:buSzPct val="100000"/>
+              <a:buBlip>
+                <a:blip r:embed="rId3"/>
+              </a:buBlip>
             </a:pPr>
             <a:r>
-              <a:rPr lang="pt-PT" sz="2400" b="0" strike="noStrike" spc="-1" dirty="0">
-                <a:solidFill>
-                  <a:srgbClr val="004B87"/>
-                </a:solidFill>
-                <a:latin typeface="Calibri"/>
-              </a:rPr>
-              <a:t>Item da lista 3</a:t>
-            </a:r>
-            <a:endParaRPr lang="en-US" sz="2400" b="0" strike="noStrike" spc="-1" dirty="0">
-              <a:latin typeface="Arial"/>
-            </a:endParaRPr>
-          </a:p>
-          <a:p>
-            <a:pPr marL="457200" indent="-456840" algn="just">
+              <a:rPr lang="pt-PT" sz="2400" spc="-1" dirty="0">
+                <a:solidFill>
+                  <a:schemeClr val="accent1">
+                    <a:lumMod val="50000"/>
+                  </a:schemeClr>
+                </a:solidFill>
+                <a:latin typeface="Calibri"/>
+              </a:rPr>
+              <a:t>Artigos de venda</a:t>
+            </a:r>
+          </a:p>
+          <a:p>
+            <a:pPr marL="343080" indent="-342720" algn="just">
               <a:lnSpc>
                 <a:spcPts val="2999"/>
               </a:lnSpc>
-              <a:buClr>
-                <a:srgbClr val="004B87"/>
-              </a:buClr>
-              <a:buFont typeface="Calibri Light"/>
-              <a:buAutoNum type="arabicPeriod"/>
+              <a:buSzPct val="100000"/>
+              <a:buBlip>
+                <a:blip r:embed="rId3"/>
+              </a:buBlip>
             </a:pPr>
             <a:r>
               <a:rPr lang="pt-PT" sz="2400" b="0" strike="noStrike" spc="-1" dirty="0">
                 <a:solidFill>
-                  <a:srgbClr val="004B87"/>
-                </a:solidFill>
-                <a:latin typeface="Calibri"/>
-              </a:rPr>
-              <a:t>Item da lista 4</a:t>
-            </a:r>
-            <a:endParaRPr lang="en-US" sz="2400" b="0" strike="noStrike" spc="-1" dirty="0">
-              <a:latin typeface="Arial"/>
-            </a:endParaRPr>
-          </a:p>
-          <a:p>
-            <a:pPr marL="457200" indent="-456840" algn="just">
-              <a:lnSpc>
-                <a:spcPts val="2999"/>
-              </a:lnSpc>
-              <a:buClr>
-                <a:srgbClr val="004B87"/>
-              </a:buClr>
-              <a:buFont typeface="Calibri Light"/>
-              <a:buAutoNum type="arabicPeriod"/>
-            </a:pPr>
-            <a:r>
-              <a:rPr lang="pt-PT" sz="2400" b="0" strike="noStrike" spc="-1" dirty="0">
-                <a:solidFill>
-                  <a:srgbClr val="004B87"/>
-                </a:solidFill>
-                <a:latin typeface="Calibri"/>
-              </a:rPr>
-              <a:t>Item da lista 5</a:t>
-            </a:r>
-            <a:endParaRPr lang="en-US" sz="2400" b="0" strike="noStrike" spc="-1" dirty="0">
-              <a:latin typeface="Arial"/>
-            </a:endParaRPr>
-          </a:p>
-          <a:p>
-            <a:pPr algn="just">
-              <a:lnSpc>
-                <a:spcPts val="2999"/>
-              </a:lnSpc>
-            </a:pPr>
-            <a:endParaRPr lang="en-US" sz="2400" b="0" strike="noStrike" spc="-1" dirty="0">
-              <a:latin typeface="Arial"/>
+                  <a:schemeClr val="accent1">
+                    <a:lumMod val="50000"/>
+                  </a:schemeClr>
+                </a:solidFill>
+                <a:latin typeface="Calibri"/>
+              </a:rPr>
+              <a:t>Fluxo e entradas/saídas</a:t>
+            </a:r>
+            <a:endParaRPr lang="pt-PT" sz="2400" spc="-1" dirty="0">
+              <a:solidFill>
+                <a:schemeClr val="accent1">
+                  <a:lumMod val="50000"/>
+                </a:schemeClr>
+              </a:solidFill>
+              <a:latin typeface="Calibri"/>
+              <a:ea typeface="Calibri" panose="020F0502020204030204" pitchFamily="34" charset="0"/>
+              <a:cs typeface="Calibri" panose="020F0502020204030204" pitchFamily="34" charset="0"/>
             </a:endParaRPr>
           </a:p>
         </p:txBody>
@@ -3484,7 +3528,7 @@
               </a:lnSpc>
             </a:pPr>
             <a:r>
-              <a:rPr lang="pt-PT" sz="3600" b="1" strike="noStrike" spc="-1">
+              <a:rPr lang="pt-PT" sz="3600" b="1" strike="noStrike" spc="-1" dirty="0">
                 <a:solidFill>
                   <a:srgbClr val="004B87"/>
                 </a:solidFill>
@@ -3492,7 +3536,7 @@
               </a:rPr>
               <a:t>BIBLIOGRAPHY</a:t>
             </a:r>
-            <a:endParaRPr lang="en-US" sz="3600" b="0" strike="noStrike" spc="-1">
+            <a:endParaRPr lang="en-US" sz="3600" b="0" strike="noStrike" spc="-1" dirty="0">
               <a:latin typeface="Arial"/>
             </a:endParaRPr>
           </a:p>
@@ -3732,15 +3776,33 @@
               </a:lnSpc>
             </a:pPr>
             <a:r>
-              <a:rPr lang="pt-PT" sz="1800" b="0" strike="noStrike" spc="-1">
+              <a:rPr lang="pt-PT" sz="1800" b="0" strike="noStrike" spc="-1" dirty="0" err="1">
                 <a:solidFill>
                   <a:srgbClr val="004B87"/>
                 </a:solidFill>
                 <a:latin typeface="Calibri"/>
               </a:rPr>
-              <a:t>Up to 5 references</a:t>
-            </a:r>
-            <a:endParaRPr lang="en-US" sz="1800" b="0" strike="noStrike" spc="-1">
+              <a:t>Up</a:t>
+            </a:r>
+            <a:r>
+              <a:rPr lang="pt-PT" sz="1800" b="0" strike="noStrike" spc="-1" dirty="0">
+                <a:solidFill>
+                  <a:srgbClr val="004B87"/>
+                </a:solidFill>
+                <a:latin typeface="Calibri"/>
+              </a:rPr>
+              <a:t> to 5 </a:t>
+            </a:r>
+            <a:r>
+              <a:rPr lang="pt-PT" sz="1800" b="0" strike="noStrike" spc="-1" dirty="0" err="1">
+                <a:solidFill>
+                  <a:srgbClr val="004B87"/>
+                </a:solidFill>
+                <a:latin typeface="Calibri"/>
+              </a:rPr>
+              <a:t>references</a:t>
+            </a:r>
+            <a:endParaRPr lang="en-US" sz="1800" b="0" strike="noStrike" spc="-1" dirty="0">
               <a:latin typeface="Arial"/>
             </a:endParaRPr>
           </a:p>
@@ -3821,7 +3883,7 @@
                 </a:solidFill>
                 <a:latin typeface="Calibri"/>
                 <a:ea typeface="Arial"/>
-                <a:hlinkClick r:id="rId3"/>
+                <a:hlinkClick r:id="rId4"/>
               </a:rPr>
               <a:t>a21152@</a:t>
             </a:r>
@@ -3831,7 +3893,7 @@
                   <a:srgbClr val="004B87"/>
                 </a:solidFill>
                 <a:latin typeface="Calibri"/>
-                <a:hlinkClick r:id="rId3"/>
+                <a:hlinkClick r:id="rId4"/>
               </a:rPr>
               <a:t>alunos.ipca.pt</a:t>
             </a:r>
@@ -3871,7 +3933,7 @@
                 </a:solidFill>
                 <a:latin typeface="Calibri"/>
                 <a:ea typeface="Arial"/>
-                <a:hlinkClick r:id="rId4"/>
+                <a:hlinkClick r:id="rId5"/>
               </a:rPr>
               <a:t>a21140@</a:t>
             </a:r>
@@ -3881,7 +3943,7 @@
                   <a:srgbClr val="004B87"/>
                 </a:solidFill>
                 <a:latin typeface="Calibri"/>
-                <a:hlinkClick r:id="rId4"/>
+                <a:hlinkClick r:id="rId5"/>
               </a:rPr>
               <a:t>alunos.ipca.pt</a:t>
             </a:r>
@@ -3917,7 +3979,7 @@
                   <a:srgbClr val="004B87"/>
                 </a:solidFill>
                 <a:latin typeface="Calibri"/>
-                <a:hlinkClick r:id="rId5"/>
+                <a:hlinkClick r:id="rId6"/>
               </a:rPr>
               <a:t>a21145@alunos.ipca.pt</a:t>
             </a:r>
@@ -3965,7 +4027,7 @@
         <p:spPr>
           <a:xfrm>
             <a:off x="14144760" y="5695560"/>
-            <a:ext cx="5616000" cy="3518280"/>
+            <a:ext cx="5616000" cy="2766611"/>
           </a:xfrm>
           <a:prstGeom prst="rect">
             <a:avLst/>
@@ -3988,7 +4050,7 @@
           <a:fontRef idx="minor"/>
         </p:style>
         <p:txBody>
-          <a:bodyPr lIns="90000" tIns="45000" rIns="90000" bIns="45000">
+          <a:bodyPr wrap="square" lIns="90000" tIns="45000" rIns="90000" bIns="45000">
             <a:spAutoFit/>
           </a:bodyPr>
           <a:lstStyle/>
@@ -3999,17 +4061,18 @@
               </a:lnSpc>
             </a:pPr>
             <a:r>
-              <a:rPr lang="pt-PT" sz="2400" b="0" strike="noStrike" spc="-1">
-                <a:solidFill>
-                  <a:srgbClr val="004B87"/>
-                </a:solidFill>
-                <a:latin typeface="Calibri"/>
-              </a:rPr>
-              <a:t>Write here...</a:t>
-            </a:r>
-            <a:endParaRPr lang="en-US" sz="2400" b="0" strike="noStrike" spc="-1">
-              <a:latin typeface="Arial"/>
-            </a:endParaRPr>
+              <a:rPr lang="pt-PT" sz="2400" dirty="0">
+                <a:solidFill>
+                  <a:schemeClr val="accent1">
+                    <a:lumMod val="50000"/>
+                  </a:schemeClr>
+                </a:solidFill>
+                <a:latin typeface="Calibri" panose="020F0502020204030204" pitchFamily="34" charset="0"/>
+                <a:ea typeface="Calibri" panose="020F0502020204030204" pitchFamily="34" charset="0"/>
+                <a:cs typeface="Calibri" panose="020F0502020204030204" pitchFamily="34" charset="0"/>
+              </a:rPr>
+              <a:t>Criar uma aplicação que ajude os utilizadores, ao nível de:</a:t>
+            </a:r>
           </a:p>
           <a:p>
             <a:pPr algn="just">
@@ -4017,8 +4080,15 @@
                 <a:spcPts val="2999"/>
               </a:lnSpc>
             </a:pPr>
-            <a:endParaRPr lang="en-US" sz="2400" b="0" strike="noStrike" spc="-1">
-              <a:latin typeface="Arial"/>
+            <a:endParaRPr lang="en-US" sz="2400" b="0" strike="noStrike" spc="-1" dirty="0">
+              <a:solidFill>
+                <a:schemeClr val="accent1">
+                  <a:lumMod val="50000"/>
+                </a:schemeClr>
+              </a:solidFill>
+              <a:latin typeface="Calibri" panose="020F0502020204030204" pitchFamily="34" charset="0"/>
+              <a:ea typeface="Calibri" panose="020F0502020204030204" pitchFamily="34" charset="0"/>
+              <a:cs typeface="Calibri" panose="020F0502020204030204" pitchFamily="34" charset="0"/>
             </a:endParaRPr>
           </a:p>
           <a:p>
@@ -4028,19 +4098,26 @@
               </a:lnSpc>
               <a:buSzPct val="100000"/>
               <a:buBlip>
-                <a:blip r:embed="rId6"/>
+                <a:blip r:embed="rId3"/>
               </a:buBlip>
             </a:pPr>
             <a:r>
-              <a:rPr lang="pt-PT" sz="2400" b="0" strike="noStrike" spc="-1">
-                <a:solidFill>
-                  <a:srgbClr val="004B87"/>
-                </a:solidFill>
-                <a:latin typeface="Calibri"/>
-              </a:rPr>
-              <a:t>Item da lista 1</a:t>
-            </a:r>
-            <a:endParaRPr lang="en-US" sz="2400" b="0" strike="noStrike" spc="-1">
+              <a:rPr lang="pt-PT" sz="2400" spc="-1" dirty="0">
+                <a:solidFill>
+                  <a:schemeClr val="accent1">
+                    <a:lumMod val="50000"/>
+                  </a:schemeClr>
+                </a:solidFill>
+                <a:latin typeface="Calibri"/>
+              </a:rPr>
+              <a:t>Procurar as melhores horas de utilização de ginásio</a:t>
+            </a:r>
+            <a:endParaRPr lang="en-US" sz="2400" b="0" strike="noStrike" spc="-1" dirty="0">
+              <a:solidFill>
+                <a:schemeClr val="accent1">
+                  <a:lumMod val="50000"/>
+                </a:schemeClr>
+              </a:solidFill>
               <a:latin typeface="Arial"/>
             </a:endParaRPr>
           </a:p>
@@ -4051,19 +4128,26 @@
               </a:lnSpc>
               <a:buSzPct val="100000"/>
               <a:buBlip>
-                <a:blip r:embed="rId6"/>
+                <a:blip r:embed="rId3"/>
               </a:buBlip>
             </a:pPr>
             <a:r>
-              <a:rPr lang="pt-PT" sz="2400" b="0" strike="noStrike" spc="-1">
-                <a:solidFill>
-                  <a:srgbClr val="004B87"/>
-                </a:solidFill>
-                <a:latin typeface="Calibri"/>
-              </a:rPr>
-              <a:t>tem da lista 2</a:t>
-            </a:r>
-            <a:endParaRPr lang="en-US" sz="2400" b="0" strike="noStrike" spc="-1">
+              <a:rPr lang="pt-PT" sz="2400" b="0" strike="noStrike" spc="-1" dirty="0">
+                <a:solidFill>
+                  <a:schemeClr val="accent1">
+                    <a:lumMod val="50000"/>
+                  </a:schemeClr>
+                </a:solidFill>
+                <a:latin typeface="Calibri"/>
+              </a:rPr>
+              <a:t>Facilitar o treino</a:t>
+            </a:r>
+            <a:endParaRPr lang="en-US" sz="2400" b="0" strike="noStrike" spc="-1" dirty="0">
+              <a:solidFill>
+                <a:schemeClr val="accent1">
+                  <a:lumMod val="50000"/>
+                </a:schemeClr>
+              </a:solidFill>
               <a:latin typeface="Arial"/>
             </a:endParaRPr>
           </a:p>
@@ -4074,85 +4158,30 @@
               </a:lnSpc>
               <a:buSzPct val="100000"/>
               <a:buBlip>
-                <a:blip r:embed="rId6"/>
+                <a:blip r:embed="rId3"/>
               </a:buBlip>
             </a:pPr>
             <a:r>
-              <a:rPr lang="pt-PT" sz="2400" b="0" strike="noStrike" spc="-1">
+              <a:rPr lang="pt-PT" sz="2400" b="0" strike="noStrike" spc="-1" dirty="0">
+                <a:solidFill>
+                  <a:schemeClr val="accent1">
+                    <a:lumMod val="50000"/>
+                  </a:schemeClr>
+                </a:solidFill>
+                <a:latin typeface="Calibri"/>
+              </a:rPr>
+              <a:t>Entregar uma gama de produtos </a:t>
+            </a:r>
+            <a:r>
+              <a:rPr lang="pt-PT" sz="2400" b="0" strike="noStrike" spc="-1" dirty="0">
                 <a:solidFill>
                   <a:srgbClr val="004B87"/>
                 </a:solidFill>
                 <a:latin typeface="Calibri"/>
               </a:rPr>
-              <a:t>Item da lista 3</a:t>
-            </a:r>
-            <a:endParaRPr lang="en-US" sz="2400" b="0" strike="noStrike" spc="-1">
-              <a:latin typeface="Arial"/>
-            </a:endParaRPr>
-          </a:p>
-          <a:p>
-            <a:pPr marL="343080" indent="-342720" algn="just">
-              <a:lnSpc>
-                <a:spcPts val="2999"/>
-              </a:lnSpc>
-              <a:buSzPct val="100000"/>
-              <a:buBlip>
-                <a:blip r:embed="rId6"/>
-              </a:buBlip>
-            </a:pPr>
-            <a:r>
-              <a:rPr lang="pt-PT" sz="2400" b="0" strike="noStrike" spc="-1">
-                <a:solidFill>
-                  <a:srgbClr val="004B87"/>
-                </a:solidFill>
-                <a:latin typeface="Calibri"/>
-              </a:rPr>
-              <a:t>Item da lista 4</a:t>
-            </a:r>
-            <a:endParaRPr lang="en-US" sz="2400" b="0" strike="noStrike" spc="-1">
-              <a:latin typeface="Arial"/>
-            </a:endParaRPr>
-          </a:p>
-          <a:p>
-            <a:pPr marL="343080" indent="-342720" algn="just">
-              <a:lnSpc>
-                <a:spcPts val="2999"/>
-              </a:lnSpc>
-              <a:buSzPct val="100000"/>
-              <a:buBlip>
-                <a:blip r:embed="rId6"/>
-              </a:buBlip>
-            </a:pPr>
-            <a:r>
-              <a:rPr lang="pt-PT" sz="2400" b="0" strike="noStrike" spc="-1">
-                <a:solidFill>
-                  <a:srgbClr val="004B87"/>
-                </a:solidFill>
-                <a:latin typeface="Calibri"/>
-              </a:rPr>
-              <a:t>Item da lista 5</a:t>
-            </a:r>
-            <a:endParaRPr lang="en-US" sz="2400" b="0" strike="noStrike" spc="-1">
-              <a:latin typeface="Arial"/>
-            </a:endParaRPr>
-          </a:p>
-          <a:p>
-            <a:pPr algn="just">
-              <a:lnSpc>
-                <a:spcPts val="2999"/>
-              </a:lnSpc>
-            </a:pPr>
-            <a:endParaRPr lang="en-US" sz="2400" b="0" strike="noStrike" spc="-1">
-              <a:latin typeface="Arial"/>
-            </a:endParaRPr>
-          </a:p>
-          <a:p>
-            <a:pPr algn="just">
-              <a:lnSpc>
-                <a:spcPts val="2999"/>
-              </a:lnSpc>
-            </a:pPr>
-            <a:endParaRPr lang="en-US" sz="2400" b="0" strike="noStrike" spc="-1">
+              <a:t>e planos</a:t>
+            </a:r>
+            <a:endParaRPr lang="en-US" sz="2400" b="0" strike="noStrike" spc="-1" dirty="0">
               <a:latin typeface="Arial"/>
             </a:endParaRPr>
           </a:p>

--- a/Ilustrações/poster_PA_LESI.pptx
+++ b/Ilustrações/poster_PA_LESI.pptx
@@ -116,16 +116,6 @@
 <p:cmAuthorLst xmlns:a="http://schemas.openxmlformats.org/drawingml/2006/main" xmlns:r="http://schemas.openxmlformats.org/officeDocument/2006/relationships" xmlns:p="http://schemas.openxmlformats.org/presentationml/2006/main">
   <p:cmAuthor id="0" name="Alberto Simoes" initials="AS" lastIdx="1" clrIdx="0"/>
 </p:cmAuthorLst>
-</file>
-
-<file path=ppt/comments/comment1.xml><?xml version="1.0" encoding="utf-8"?>
-<p:cmLst xmlns:a="http://schemas.openxmlformats.org/drawingml/2006/main" xmlns:r="http://schemas.openxmlformats.org/officeDocument/2006/relationships" xmlns:p="http://schemas.openxmlformats.org/presentationml/2006/main">
-  <p:cm authorId="0" dt="2021-03-31T16:53:54" idx="1">
-    <p:pos x="3075" y="3175"/>
-    <p:text>These sections are examples. Feel free to reorganize the contents.
-A poster is more visual than textual. Try to use a set of images, diagrams or other visual tools to present your work goals.</p:text>
-  </p:cm>
-</p:cmLst>
 </file>
 
 <file path=ppt/slideLayouts/slideLayout1.xml><?xml version="1.0" encoding="utf-8"?>
@@ -2736,7 +2726,7 @@
         <p:spPr>
           <a:xfrm>
             <a:off x="1525680" y="19916280"/>
-            <a:ext cx="5646600" cy="470520"/>
+            <a:ext cx="5646600" cy="449439"/>
           </a:xfrm>
           <a:prstGeom prst="rect">
             <a:avLst/>
@@ -2770,44 +2760,29 @@
               </a:lnSpc>
             </a:pPr>
             <a:r>
-              <a:rPr lang="pt-PT" sz="2400" b="0" strike="noStrike" spc="-1" dirty="0" err="1">
-                <a:solidFill>
-                  <a:srgbClr val="004B87"/>
-                </a:solidFill>
-                <a:latin typeface="Calibri"/>
-              </a:rPr>
-              <a:t>Write</a:t>
-            </a:r>
-            <a:r>
-              <a:rPr lang="pt-PT" sz="2400" b="0" strike="noStrike" spc="-1" dirty="0">
-                <a:solidFill>
-                  <a:srgbClr val="004B87"/>
-                </a:solidFill>
-                <a:latin typeface="Calibri"/>
-              </a:rPr>
-              <a:t> </a:t>
-            </a:r>
-            <a:r>
-              <a:rPr lang="pt-PT" sz="2400" b="0" strike="noStrike" spc="-1" dirty="0" err="1">
-                <a:solidFill>
-                  <a:srgbClr val="004B87"/>
-                </a:solidFill>
-                <a:latin typeface="Calibri"/>
-              </a:rPr>
-              <a:t>here</a:t>
-            </a:r>
-            <a:r>
-              <a:rPr lang="pt-PT" sz="2400" b="0" strike="noStrike" spc="-1" dirty="0">
-                <a:solidFill>
-                  <a:srgbClr val="004B87"/>
-                </a:solidFill>
-                <a:latin typeface="Calibri"/>
-              </a:rPr>
-              <a:t>...</a:t>
-            </a:r>
-            <a:endParaRPr lang="en-US" sz="2400" b="0" strike="noStrike" spc="-1" dirty="0">
-              <a:latin typeface="Arial"/>
-            </a:endParaRPr>
+              <a:rPr lang="en-US" sz="2400" b="0" strike="noStrike" spc="-1" dirty="0" err="1">
+                <a:latin typeface="Arial"/>
+              </a:rPr>
+              <a:t>Falar</a:t>
+            </a:r>
+            <a:r>
+              <a:rPr lang="en-US" sz="2400" b="0" strike="noStrike" spc="-1" dirty="0">
+                <a:latin typeface="Arial"/>
+              </a:rPr>
+              <a:t> do </a:t>
+            </a:r>
+            <a:r>
+              <a:rPr lang="en-US" sz="2400" b="0" strike="noStrike" spc="-1" dirty="0" err="1">
+                <a:latin typeface="Arial"/>
+              </a:rPr>
+              <a:t>produto</a:t>
+            </a:r>
+            <a:r>
+              <a:rPr lang="en-US" sz="2400" b="0" strike="noStrike" spc="-1" dirty="0">
+                <a:latin typeface="Arial"/>
+              </a:rPr>
+              <a:t> final</a:t>
+            </a:r>
           </a:p>
         </p:txBody>
       </p:sp>
@@ -3187,15 +3162,33 @@
               </a:lnSpc>
             </a:pPr>
             <a:r>
-              <a:rPr lang="pt-PT" sz="2400" b="0" strike="noStrike" spc="-1">
-                <a:solidFill>
-                  <a:srgbClr val="004B87"/>
-                </a:solidFill>
-                <a:latin typeface="Calibri"/>
-              </a:rPr>
-              <a:t>Write here...</a:t>
-            </a:r>
-            <a:endParaRPr lang="en-US" sz="2400" b="0" strike="noStrike" spc="-1">
+              <a:rPr lang="pt-PT" sz="2400" b="0" strike="noStrike" spc="-1" dirty="0">
+                <a:solidFill>
+                  <a:srgbClr val="004B87"/>
+                </a:solidFill>
+                <a:latin typeface="Calibri"/>
+              </a:rPr>
+              <a:t>Falar de </a:t>
+            </a:r>
+            <a:r>
+              <a:rPr lang="pt-PT" sz="2400" b="0" strike="noStrike" spc="-1" dirty="0" err="1">
+                <a:solidFill>
+                  <a:srgbClr val="004B87"/>
+                </a:solidFill>
+                <a:latin typeface="Calibri"/>
+              </a:rPr>
+              <a:t>Scrum</a:t>
+            </a:r>
+            <a:r>
+              <a:rPr lang="pt-PT" sz="2400" b="0" strike="noStrike" spc="-1" dirty="0">
+                <a:solidFill>
+                  <a:srgbClr val="004B87"/>
+                </a:solidFill>
+                <a:latin typeface="Calibri"/>
+              </a:rPr>
+              <a:t> e como nós trabalhamos</a:t>
+            </a:r>
+            <a:endParaRPr lang="en-US" sz="2400" b="0" strike="noStrike" spc="-1" dirty="0">
               <a:latin typeface="Arial"/>
             </a:endParaRPr>
           </a:p>
@@ -3244,15 +3237,42 @@
               </a:lnSpc>
             </a:pPr>
             <a:r>
-              <a:rPr lang="pt-PT" sz="2400" b="0" strike="noStrike" spc="-1">
-                <a:solidFill>
-                  <a:srgbClr val="004B87"/>
-                </a:solidFill>
-                <a:latin typeface="Calibri"/>
-              </a:rPr>
-              <a:t>Write here...</a:t>
-            </a:r>
-            <a:endParaRPr lang="en-US" sz="2400" b="0" strike="noStrike" spc="-1">
+              <a:rPr lang="pt-PT" sz="2400" b="0" strike="noStrike" spc="-1" dirty="0" err="1">
+                <a:solidFill>
+                  <a:srgbClr val="004B87"/>
+                </a:solidFill>
+                <a:latin typeface="Calibri"/>
+              </a:rPr>
+              <a:t>Write</a:t>
+            </a:r>
+            <a:r>
+              <a:rPr lang="pt-PT" sz="2400" b="0" strike="noStrike" spc="-1" dirty="0">
+                <a:solidFill>
+                  <a:srgbClr val="004B87"/>
+                </a:solidFill>
+                <a:latin typeface="Calibri"/>
+              </a:rPr>
+              <a:t> </a:t>
+            </a:r>
+            <a:r>
+              <a:rPr lang="pt-PT" sz="2400" b="0" strike="noStrike" spc="-1" dirty="0" err="1">
+                <a:solidFill>
+                  <a:srgbClr val="004B87"/>
+                </a:solidFill>
+                <a:latin typeface="Calibri"/>
+              </a:rPr>
+              <a:t>here</a:t>
+            </a:r>
+            <a:r>
+              <a:rPr lang="pt-PT" sz="2400" b="0" strike="noStrike" spc="-1" dirty="0">
+                <a:solidFill>
+                  <a:srgbClr val="004B87"/>
+                </a:solidFill>
+                <a:latin typeface="Calibri"/>
+              </a:rPr>
+              <a:t>...</a:t>
+            </a:r>
+            <a:endParaRPr lang="en-US" sz="2400" b="0" strike="noStrike" spc="-1" dirty="0">
               <a:latin typeface="Arial"/>
             </a:endParaRPr>
           </a:p>
@@ -3742,7 +3762,7 @@
         <p:spPr>
           <a:xfrm>
             <a:off x="14457600" y="19916280"/>
-            <a:ext cx="5646600" cy="357120"/>
+            <a:ext cx="5646600" cy="898792"/>
           </a:xfrm>
           <a:prstGeom prst="rect">
             <a:avLst/>
@@ -3776,13 +3796,29 @@
               </a:lnSpc>
             </a:pPr>
             <a:r>
+              <a:rPr lang="pt-PT" sz="1800" b="0" strike="noStrike" spc="-1" dirty="0">
+                <a:solidFill>
+                  <a:srgbClr val="004B87"/>
+                </a:solidFill>
+                <a:latin typeface="Calibri"/>
+              </a:rPr>
+              <a:t>Aulas de AMS e PES [?]</a:t>
+            </a:r>
+          </a:p>
+          <a:p>
+            <a:pPr algn="just">
+              <a:lnSpc>
+                <a:spcPts val="2100"/>
+              </a:lnSpc>
+            </a:pPr>
+            <a:r>
               <a:rPr lang="pt-PT" sz="1800" b="0" strike="noStrike" spc="-1" dirty="0" err="1">
                 <a:solidFill>
                   <a:srgbClr val="004B87"/>
                 </a:solidFill>
                 <a:latin typeface="Calibri"/>
               </a:rPr>
-              <a:t>Up</a:t>
+              <a:t>Videos</a:t>
             </a:r>
             <a:r>
               <a:rPr lang="pt-PT" sz="1800" b="0" strike="noStrike" spc="-1" dirty="0">
@@ -3791,16 +3827,41 @@
                 </a:solidFill>
                 <a:latin typeface="Calibri"/>
               </a:rPr>
-              <a:t> to 5 </a:t>
-            </a:r>
-            <a:r>
-              <a:rPr lang="pt-PT" sz="1800" b="0" strike="noStrike" spc="-1" dirty="0" err="1">
-                <a:solidFill>
-                  <a:srgbClr val="004B87"/>
-                </a:solidFill>
-                <a:latin typeface="Calibri"/>
-              </a:rPr>
-              <a:t>references</a:t>
+              <a:t> tutorial</a:t>
+            </a:r>
+          </a:p>
+          <a:p>
+            <a:pPr algn="just">
+              <a:lnSpc>
+                <a:spcPts val="2100"/>
+              </a:lnSpc>
+            </a:pPr>
+            <a:r>
+              <a:rPr lang="pt-PT" spc="-1" dirty="0" err="1">
+                <a:solidFill>
+                  <a:srgbClr val="004B87"/>
+                </a:solidFill>
+                <a:latin typeface="Calibri"/>
+              </a:rPr>
+              <a:t>StackOverflow</a:t>
+            </a:r>
+            <a:r>
+              <a:rPr lang="pt-PT" spc="-1" dirty="0">
+                <a:solidFill>
+                  <a:srgbClr val="004B87"/>
+                </a:solidFill>
+                <a:latin typeface="Calibri"/>
+              </a:rPr>
+              <a:t> o que </a:t>
+            </a:r>
+            <a:r>
+              <a:rPr lang="pt-PT" spc="-1">
+                <a:solidFill>
+                  <a:srgbClr val="004B87"/>
+                </a:solidFill>
+                <a:latin typeface="Calibri"/>
+              </a:rPr>
+              <a:t>foi pesquisado</a:t>
             </a:r>
             <a:endParaRPr lang="en-US" sz="1800" b="0" strike="noStrike" spc="-1" dirty="0">
               <a:latin typeface="Arial"/>

--- a/Ilustrações/poster_PA_LESI.pptx
+++ b/Ilustrações/poster_PA_LESI.pptx
@@ -2336,7 +2336,7 @@
         <p:spPr>
           <a:xfrm>
             <a:off x="1161000" y="4859640"/>
-            <a:ext cx="6010920" cy="13577040"/>
+            <a:ext cx="6010920" cy="8627760"/>
           </a:xfrm>
           <a:prstGeom prst="rect">
             <a:avLst/>
@@ -2423,7 +2423,7 @@
         </p:nvSpPr>
         <p:spPr>
           <a:xfrm>
-            <a:off x="7686360" y="11421360"/>
+            <a:off x="7635960" y="11421360"/>
             <a:ext cx="12451680" cy="7014960"/>
           </a:xfrm>
           <a:prstGeom prst="rect">
@@ -2511,7 +2511,7 @@
         </p:nvSpPr>
         <p:spPr>
           <a:xfrm>
-            <a:off x="14247720" y="19076760"/>
+            <a:off x="14197680" y="19076400"/>
             <a:ext cx="5889960" cy="8057160"/>
           </a:xfrm>
           <a:prstGeom prst="rect">
@@ -2726,7 +2726,7 @@
         <p:spPr>
           <a:xfrm>
             <a:off x="1525680" y="19916280"/>
-            <a:ext cx="5646600" cy="449439"/>
+            <a:ext cx="5646600" cy="4305494"/>
           </a:xfrm>
           <a:prstGeom prst="rect">
             <a:avLst/>
@@ -2760,29 +2760,27 @@
               </a:lnSpc>
             </a:pPr>
             <a:r>
-              <a:rPr lang="en-US" sz="2400" b="0" strike="noStrike" spc="-1" dirty="0" err="1">
-                <a:latin typeface="Arial"/>
-              </a:rPr>
-              <a:t>Falar</a:t>
-            </a:r>
-            <a:r>
-              <a:rPr lang="en-US" sz="2400" b="0" strike="noStrike" spc="-1" dirty="0">
-                <a:latin typeface="Arial"/>
-              </a:rPr>
-              <a:t> do </a:t>
-            </a:r>
-            <a:r>
-              <a:rPr lang="en-US" sz="2400" b="0" strike="noStrike" spc="-1" dirty="0" err="1">
-                <a:latin typeface="Arial"/>
-              </a:rPr>
-              <a:t>produto</a:t>
-            </a:r>
-            <a:r>
-              <a:rPr lang="en-US" sz="2400" b="0" strike="noStrike" spc="-1" dirty="0">
-                <a:latin typeface="Arial"/>
-              </a:rPr>
-              <a:t> final</a:t>
-            </a:r>
+              <a:rPr lang="en-US" sz="2400" b="0" i="0" dirty="0">
+                <a:solidFill>
+                  <a:schemeClr val="accent1">
+                    <a:lumMod val="50000"/>
+                  </a:schemeClr>
+                </a:solidFill>
+                <a:effectLst/>
+                <a:latin typeface="Calibri" panose="020F0502020204030204" pitchFamily="34" charset="0"/>
+                <a:cs typeface="Calibri" panose="020F0502020204030204" pitchFamily="34" charset="0"/>
+              </a:rPr>
+              <a:t>In the results and conclusions section of our poster on the IGYM mobile application, we would like to mention that the results presented were obtained through testing conducted by us during the app-building process. During these tests, we observed a significant increase in efficiency in business management for gyms using IGYM. This was achieved through the automation of repetitive tasks and access to real-time reports.</a:t>
+            </a:r>
+            <a:endParaRPr lang="en-US" sz="2400" b="0" strike="noStrike" spc="-1" dirty="0">
+              <a:solidFill>
+                <a:schemeClr val="accent1">
+                  <a:lumMod val="50000"/>
+                </a:schemeClr>
+              </a:solidFill>
+              <a:latin typeface="Calibri" panose="020F0502020204030204" pitchFamily="34" charset="0"/>
+              <a:cs typeface="Calibri" panose="020F0502020204030204" pitchFamily="34" charset="0"/>
+            </a:endParaRPr>
           </a:p>
         </p:txBody>
       </p:sp>
@@ -2795,7 +2793,7 @@
         <p:spPr>
           <a:xfrm>
             <a:off x="7683480" y="19916280"/>
-            <a:ext cx="5436000" cy="470520"/>
+            <a:ext cx="5436000" cy="3536053"/>
           </a:xfrm>
           <a:prstGeom prst="rect">
             <a:avLst/>
@@ -2829,43 +2827,26 @@
               </a:lnSpc>
             </a:pPr>
             <a:r>
-              <a:rPr lang="pt-PT" sz="2400" b="0" strike="noStrike" spc="-1" dirty="0" err="1">
-                <a:solidFill>
-                  <a:srgbClr val="004B87"/>
-                </a:solidFill>
-                <a:latin typeface="Calibri"/>
-              </a:rPr>
-              <a:t>Write</a:t>
-            </a:r>
-            <a:r>
-              <a:rPr lang="pt-PT" sz="2400" b="0" strike="noStrike" spc="-1" dirty="0">
-                <a:solidFill>
-                  <a:srgbClr val="004B87"/>
-                </a:solidFill>
-                <a:latin typeface="Calibri"/>
-              </a:rPr>
-              <a:t> </a:t>
-            </a:r>
-            <a:r>
-              <a:rPr lang="pt-PT" sz="2400" b="0" strike="noStrike" spc="-1" dirty="0" err="1">
-                <a:solidFill>
-                  <a:srgbClr val="004B87"/>
-                </a:solidFill>
-                <a:latin typeface="Calibri"/>
-              </a:rPr>
-              <a:t>here</a:t>
-            </a:r>
-            <a:r>
-              <a:rPr lang="pt-PT" sz="2400" b="0" strike="noStrike" spc="-1" dirty="0">
-                <a:solidFill>
-                  <a:srgbClr val="004B87"/>
-                </a:solidFill>
-                <a:latin typeface="Calibri"/>
-              </a:rPr>
-              <a:t>...</a:t>
+              <a:rPr lang="en-US" sz="2400" b="0" i="0" dirty="0">
+                <a:solidFill>
+                  <a:schemeClr val="accent1">
+                    <a:lumMod val="50000"/>
+                  </a:schemeClr>
+                </a:solidFill>
+                <a:effectLst/>
+                <a:latin typeface="Calibri" panose="020F0502020204030204" pitchFamily="34" charset="0"/>
+                <a:cs typeface="Calibri" panose="020F0502020204030204" pitchFamily="34" charset="0"/>
+              </a:rPr>
+              <a:t>In conclusion, the testing conducted during the development process of the IGYM mobile application demonstrated that it is an effective tool to help gyms manage their business more efficiently and provide an exceptional experience to their customers. With IGYM, gyms can maximize their efficiency and offer exceptional value to their customers.</a:t>
             </a:r>
             <a:endParaRPr lang="en-US" sz="2400" b="0" strike="noStrike" spc="-1" dirty="0">
-              <a:latin typeface="Arial"/>
+              <a:solidFill>
+                <a:schemeClr val="accent1">
+                  <a:lumMod val="50000"/>
+                </a:schemeClr>
+              </a:solidFill>
+              <a:latin typeface="Calibri" panose="020F0502020204030204" pitchFamily="34" charset="0"/>
+              <a:cs typeface="Calibri" panose="020F0502020204030204" pitchFamily="34" charset="0"/>
             </a:endParaRPr>
           </a:p>
         </p:txBody>
@@ -3060,7 +3041,7 @@
         <p:spPr>
           <a:xfrm>
             <a:off x="1525680" y="5771880"/>
-            <a:ext cx="5151240" cy="6681594"/>
+            <a:ext cx="5151240" cy="5261525"/>
           </a:xfrm>
           <a:prstGeom prst="rect">
             <a:avLst/>
@@ -3088,30 +3069,28 @@
           </a:bodyPr>
           <a:lstStyle/>
           <a:p>
-            <a:pPr>
-              <a:lnSpc>
-                <a:spcPct val="150000"/>
-              </a:lnSpc>
-            </a:pPr>
-            <a:r>
-              <a:rPr lang="pt-PT" sz="2400" dirty="0">
+            <a:r>
+              <a:rPr lang="en-US" sz="2400" b="0" i="0" dirty="0">
                 <a:solidFill>
                   <a:schemeClr val="accent1">
                     <a:lumMod val="50000"/>
                   </a:schemeClr>
                 </a:solidFill>
+                <a:effectLst/>
                 <a:latin typeface="Calibri" panose="020F0502020204030204" pitchFamily="34" charset="0"/>
-                <a:ea typeface="Calibri" panose="020F0502020204030204" pitchFamily="34" charset="0"/>
                 <a:cs typeface="Calibri" panose="020F0502020204030204" pitchFamily="34" charset="0"/>
               </a:rPr>
-              <a:t>O IPCA GYM nasce após notar-se a necessidade do acompanhamento da vida saudável e atlética dos estudantes e a falta de um setor que permita a atividade aos jovens, no sentido de incentivar aos estudantes a realizar um estilo de vida saudável. Será então possível aos estudantes terem um acompanhamento mobile da sua atividade física, tal como os diferentes exercícios que pode fazer ao longo do seu treino. </a:t>
+              <a:t>The IGYM mobile application is a powerful tool to help gyms manage their business more efficiently. With IGYM, gyms can easily manage staff, customers, an online store, gym occupancy and much more. Additionally, IGYM offers a platform for customers to view personalized workout plans, current gym occupancy, and even nutrition plans. With IGYM, gyms have everything they need to manage their business more efficiently and provide an excellent experience for their customers</a:t>
+            </a:r>
+            <a:r>
+              <a:rPr lang="en-US" sz="2400" b="0" i="0" dirty="0">
+                <a:effectLst/>
+                <a:latin typeface="Calibri" panose="020F0502020204030204" pitchFamily="34" charset="0"/>
+                <a:cs typeface="Calibri" panose="020F0502020204030204" pitchFamily="34" charset="0"/>
+              </a:rPr>
+              <a:t>.</a:t>
             </a:r>
             <a:endParaRPr lang="en-US" sz="2400" b="0" strike="noStrike" spc="-1" dirty="0">
-              <a:solidFill>
-                <a:schemeClr val="accent1">
-                  <a:lumMod val="50000"/>
-                </a:schemeClr>
-              </a:solidFill>
               <a:latin typeface="Calibri" panose="020F0502020204030204" pitchFamily="34" charset="0"/>
               <a:ea typeface="Calibri" panose="020F0502020204030204" pitchFamily="34" charset="0"/>
               <a:cs typeface="Calibri" panose="020F0502020204030204" pitchFamily="34" charset="0"/>
@@ -3128,7 +3107,7 @@
         <p:spPr>
           <a:xfrm>
             <a:off x="7918200" y="12299400"/>
-            <a:ext cx="5712120" cy="470520"/>
+            <a:ext cx="11842560" cy="3153705"/>
           </a:xfrm>
           <a:prstGeom prst="rect">
             <a:avLst/>
@@ -3151,59 +3130,68 @@
           <a:fontRef idx="minor"/>
         </p:style>
         <p:txBody>
-          <a:bodyPr lIns="90000" tIns="45000" rIns="90000" bIns="45000">
+          <a:bodyPr wrap="square" lIns="90000" tIns="45000" rIns="90000" bIns="45000">
             <a:spAutoFit/>
           </a:bodyPr>
           <a:lstStyle/>
           <a:p>
-            <a:pPr algn="just">
+            <a:pPr marL="343080" indent="-342720" algn="just">
               <a:lnSpc>
                 <a:spcPts val="2999"/>
               </a:lnSpc>
+              <a:buSzPct val="100000"/>
+              <a:buBlip>
+                <a:blip r:embed="rId3"/>
+              </a:buBlip>
             </a:pPr>
             <a:r>
-              <a:rPr lang="pt-PT" sz="2400" b="0" strike="noStrike" spc="-1" dirty="0">
-                <a:solidFill>
-                  <a:srgbClr val="004B87"/>
-                </a:solidFill>
-                <a:latin typeface="Calibri"/>
-              </a:rPr>
-              <a:t>Falar de </a:t>
-            </a:r>
-            <a:r>
-              <a:rPr lang="pt-PT" sz="2400" b="0" strike="noStrike" spc="-1" dirty="0" err="1">
-                <a:solidFill>
-                  <a:srgbClr val="004B87"/>
-                </a:solidFill>
-                <a:latin typeface="Calibri"/>
-              </a:rPr>
-              <a:t>Scrum</a:t>
-            </a:r>
-            <a:r>
-              <a:rPr lang="pt-PT" sz="2400" b="0" strike="noStrike" spc="-1" dirty="0">
-                <a:solidFill>
-                  <a:srgbClr val="004B87"/>
-                </a:solidFill>
-                <a:latin typeface="Calibri"/>
-              </a:rPr>
-              <a:t> e como nós trabalhamos</a:t>
-            </a:r>
-            <a:endParaRPr lang="en-US" sz="2400" b="0" strike="noStrike" spc="-1" dirty="0">
-              <a:latin typeface="Arial"/>
-            </a:endParaRPr>
-          </a:p>
-        </p:txBody>
-      </p:sp>
-      <p:sp>
-        <p:nvSpPr>
-          <p:cNvPr id="60" name="CustomShape 14"/>
+              <a:rPr lang="en-US" sz="2400" b="0" i="0" dirty="0">
+                <a:solidFill>
+                  <a:schemeClr val="accent1">
+                    <a:lumMod val="50000"/>
+                  </a:schemeClr>
+                </a:solidFill>
+                <a:effectLst/>
+                <a:latin typeface="Söhne"/>
+              </a:rPr>
+              <a:t>The IGYM mobile application was developed using the Android platform and tools such as Kotlin, Android Studio, and Ngrok. The API was created in C# on Visual Studio and the database was created with SQL Server. During the development process, we used the Scrum project management framework and weekly sprints to efficiently deliver the project.</a:t>
+            </a:r>
+          </a:p>
+          <a:p>
+            <a:pPr marL="343080" indent="-342720" algn="just">
+              <a:lnSpc>
+                <a:spcPts val="2999"/>
+              </a:lnSpc>
+              <a:buSzPct val="100000"/>
+              <a:buBlip>
+                <a:blip r:embed="rId3"/>
+              </a:buBlip>
+            </a:pPr>
+            <a:r>
+              <a:rPr lang="en-US" sz="2400" b="0" i="0" dirty="0">
+                <a:solidFill>
+                  <a:schemeClr val="accent1">
+                    <a:lumMod val="50000"/>
+                  </a:schemeClr>
+                </a:solidFill>
+                <a:effectLst/>
+                <a:latin typeface="Söhne"/>
+              </a:rPr>
+              <a:t>IGYM includes management tools for gyms and resources for customers such as personalized workout and nutrition plans. We are measuring the success of IGYM with metrics such as increased efficiency in business management, increased customer satisfaction, and increased revenue. </a:t>
+            </a:r>
+          </a:p>
+        </p:txBody>
+      </p:sp>
+      <p:sp>
+        <p:nvSpPr>
+          <p:cNvPr id="61" name="CustomShape 15"/>
           <p:cNvSpPr/>
           <p:nvPr/>
         </p:nvSpPr>
         <p:spPr>
           <a:xfrm>
-            <a:off x="14144760" y="12299400"/>
-            <a:ext cx="5616000" cy="470520"/>
+            <a:off x="7918200" y="5695560"/>
+            <a:ext cx="5712120" cy="3538426"/>
           </a:xfrm>
           <a:prstGeom prst="rect">
             <a:avLst/>
@@ -3226,7 +3214,7 @@
           <a:fontRef idx="minor"/>
         </p:style>
         <p:txBody>
-          <a:bodyPr lIns="90000" tIns="45000" rIns="90000" bIns="45000">
+          <a:bodyPr wrap="square" lIns="90000" tIns="45000" rIns="90000" bIns="45000">
             <a:spAutoFit/>
           </a:bodyPr>
           <a:lstStyle/>
@@ -3237,62 +3225,289 @@
               </a:lnSpc>
             </a:pPr>
             <a:r>
-              <a:rPr lang="pt-PT" sz="2400" b="0" strike="noStrike" spc="-1" dirty="0" err="1">
+              <a:rPr lang="pt-PT" sz="2400" dirty="0">
                 <a:solidFill>
                   <a:srgbClr val="004B87"/>
                 </a:solidFill>
-                <a:latin typeface="Calibri"/>
-              </a:rPr>
-              <a:t>Write</a:t>
-            </a:r>
-            <a:r>
-              <a:rPr lang="pt-PT" sz="2400" b="0" strike="noStrike" spc="-1" dirty="0">
-                <a:solidFill>
-                  <a:srgbClr val="004B87"/>
-                </a:solidFill>
-                <a:latin typeface="Calibri"/>
-              </a:rPr>
-              <a:t> </a:t>
-            </a:r>
-            <a:r>
-              <a:rPr lang="pt-PT" sz="2400" b="0" strike="noStrike" spc="-1" dirty="0" err="1">
-                <a:solidFill>
-                  <a:srgbClr val="004B87"/>
-                </a:solidFill>
-                <a:latin typeface="Calibri"/>
-              </a:rPr>
-              <a:t>here</a:t>
-            </a:r>
-            <a:r>
-              <a:rPr lang="pt-PT" sz="2400" b="0" strike="noStrike" spc="-1" dirty="0">
-                <a:solidFill>
-                  <a:srgbClr val="004B87"/>
-                </a:solidFill>
-                <a:latin typeface="Calibri"/>
-              </a:rPr>
-              <a:t>...</a:t>
-            </a:r>
-            <a:endParaRPr lang="en-US" sz="2400" b="0" strike="noStrike" spc="-1" dirty="0">
-              <a:latin typeface="Arial"/>
-            </a:endParaRPr>
-          </a:p>
-        </p:txBody>
-      </p:sp>
-      <p:sp>
-        <p:nvSpPr>
-          <p:cNvPr id="61" name="CustomShape 15"/>
+                <a:latin typeface="Calibri" panose="020F0502020204030204" pitchFamily="34" charset="0"/>
+                <a:ea typeface="Calibri" panose="020F0502020204030204" pitchFamily="34" charset="0"/>
+                <a:cs typeface="Calibri" panose="020F0502020204030204" pitchFamily="34" charset="0"/>
+              </a:rPr>
+              <a:t>Help gym managers to:</a:t>
+            </a:r>
+          </a:p>
+          <a:p>
+            <a:pPr algn="just">
+              <a:lnSpc>
+                <a:spcPts val="2999"/>
+              </a:lnSpc>
+            </a:pPr>
+            <a:endParaRPr lang="pt-PT" sz="2400" spc="-1" dirty="0">
+              <a:solidFill>
+                <a:schemeClr val="accent1">
+                  <a:lumMod val="50000"/>
+                </a:schemeClr>
+              </a:solidFill>
+              <a:latin typeface="Calibri" panose="020F0502020204030204" pitchFamily="34" charset="0"/>
+              <a:cs typeface="Calibri" panose="020F0502020204030204" pitchFamily="34" charset="0"/>
+            </a:endParaRPr>
+          </a:p>
+          <a:p>
+            <a:pPr marL="343080" indent="-342720" algn="just">
+              <a:lnSpc>
+                <a:spcPts val="2999"/>
+              </a:lnSpc>
+              <a:buSzPct val="100000"/>
+              <a:buBlip>
+                <a:blip r:embed="rId3"/>
+              </a:buBlip>
+            </a:pPr>
+            <a:r>
+              <a:rPr lang="en-US" sz="2400" b="0" i="0" dirty="0">
+                <a:solidFill>
+                  <a:schemeClr val="accent1">
+                    <a:lumMod val="50000"/>
+                  </a:schemeClr>
+                </a:solidFill>
+                <a:effectLst/>
+                <a:latin typeface="Calibri" panose="020F0502020204030204" pitchFamily="34" charset="0"/>
+                <a:cs typeface="Calibri" panose="020F0502020204030204" pitchFamily="34" charset="0"/>
+              </a:rPr>
+              <a:t>Manage their business more efficiently;</a:t>
+            </a:r>
+          </a:p>
+          <a:p>
+            <a:pPr marL="343080" indent="-342720" algn="just">
+              <a:lnSpc>
+                <a:spcPts val="2999"/>
+              </a:lnSpc>
+              <a:buSzPct val="100000"/>
+              <a:buBlip>
+                <a:blip r:embed="rId3"/>
+              </a:buBlip>
+            </a:pPr>
+            <a:r>
+              <a:rPr lang="en-US" sz="2400" dirty="0">
+                <a:solidFill>
+                  <a:schemeClr val="accent1">
+                    <a:lumMod val="50000"/>
+                  </a:schemeClr>
+                </a:solidFill>
+                <a:latin typeface="Calibri" panose="020F0502020204030204" pitchFamily="34" charset="0"/>
+                <a:cs typeface="Calibri" panose="020F0502020204030204" pitchFamily="34" charset="0"/>
+              </a:rPr>
+              <a:t>Manage gym capacity and flux control;</a:t>
+            </a:r>
+          </a:p>
+          <a:p>
+            <a:pPr marL="343080" indent="-342720" algn="just">
+              <a:lnSpc>
+                <a:spcPts val="2999"/>
+              </a:lnSpc>
+              <a:buSzPct val="100000"/>
+              <a:buBlip>
+                <a:blip r:embed="rId3"/>
+              </a:buBlip>
+            </a:pPr>
+            <a:r>
+              <a:rPr lang="pt-PT" sz="2400" b="0" i="0" dirty="0">
+                <a:solidFill>
+                  <a:schemeClr val="accent1">
+                    <a:lumMod val="50000"/>
+                  </a:schemeClr>
+                </a:solidFill>
+                <a:effectLst/>
+                <a:latin typeface="Calibri" panose="020F0502020204030204" pitchFamily="34" charset="0"/>
+                <a:cs typeface="Calibri" panose="020F0502020204030204" pitchFamily="34" charset="0"/>
+              </a:rPr>
+              <a:t>Improving customer experience</a:t>
+            </a:r>
+            <a:r>
+              <a:rPr lang="en-US" sz="2400" b="0" i="0" dirty="0">
+                <a:solidFill>
+                  <a:schemeClr val="accent1">
+                    <a:lumMod val="50000"/>
+                  </a:schemeClr>
+                </a:solidFill>
+                <a:effectLst/>
+                <a:latin typeface="Calibri" panose="020F0502020204030204" pitchFamily="34" charset="0"/>
+                <a:cs typeface="Calibri" panose="020F0502020204030204" pitchFamily="34" charset="0"/>
+              </a:rPr>
+              <a:t>;</a:t>
+            </a:r>
+          </a:p>
+          <a:p>
+            <a:pPr marL="343080" indent="-342720" algn="just">
+              <a:lnSpc>
+                <a:spcPts val="2999"/>
+              </a:lnSpc>
+              <a:buSzPct val="100000"/>
+              <a:buBlip>
+                <a:blip r:embed="rId3"/>
+              </a:buBlip>
+            </a:pPr>
+            <a:r>
+              <a:rPr lang="pt-PT" sz="2400" b="0" i="0" dirty="0">
+                <a:solidFill>
+                  <a:schemeClr val="accent1">
+                    <a:lumMod val="50000"/>
+                  </a:schemeClr>
+                </a:solidFill>
+                <a:effectLst/>
+                <a:latin typeface="Calibri" panose="020F0502020204030204" pitchFamily="34" charset="0"/>
+                <a:cs typeface="Calibri" panose="020F0502020204030204" pitchFamily="34" charset="0"/>
+              </a:rPr>
+              <a:t>Increasing revenue</a:t>
+            </a:r>
+            <a:r>
+              <a:rPr lang="en-US" sz="2400" dirty="0">
+                <a:solidFill>
+                  <a:schemeClr val="accent1">
+                    <a:lumMod val="50000"/>
+                  </a:schemeClr>
+                </a:solidFill>
+                <a:latin typeface="Calibri" panose="020F0502020204030204" pitchFamily="34" charset="0"/>
+                <a:cs typeface="Calibri" panose="020F0502020204030204" pitchFamily="34" charset="0"/>
+              </a:rPr>
+              <a:t>;</a:t>
+            </a:r>
+          </a:p>
+          <a:p>
+            <a:pPr marL="343080" indent="-342720" algn="just">
+              <a:lnSpc>
+                <a:spcPts val="2999"/>
+              </a:lnSpc>
+              <a:buSzPct val="100000"/>
+              <a:buBlip>
+                <a:blip r:embed="rId3"/>
+              </a:buBlip>
+            </a:pPr>
+            <a:r>
+              <a:rPr lang="pt-PT" sz="2400" b="0" i="0" dirty="0">
+                <a:solidFill>
+                  <a:schemeClr val="accent1">
+                    <a:lumMod val="50000"/>
+                  </a:schemeClr>
+                </a:solidFill>
+                <a:effectLst/>
+                <a:latin typeface="Calibri" panose="020F0502020204030204" pitchFamily="34" charset="0"/>
+                <a:cs typeface="Calibri" panose="020F0502020204030204" pitchFamily="34" charset="0"/>
+              </a:rPr>
+              <a:t>Reducing costs</a:t>
+            </a:r>
+            <a:r>
+              <a:rPr lang="en-US" sz="2400" b="0" i="0" dirty="0">
+                <a:solidFill>
+                  <a:schemeClr val="accent1">
+                    <a:lumMod val="50000"/>
+                  </a:schemeClr>
+                </a:solidFill>
+                <a:effectLst/>
+                <a:latin typeface="Calibri" panose="020F0502020204030204" pitchFamily="34" charset="0"/>
+                <a:cs typeface="Calibri" panose="020F0502020204030204" pitchFamily="34" charset="0"/>
+              </a:rPr>
+              <a:t>;</a:t>
+            </a:r>
+          </a:p>
+          <a:p>
+            <a:pPr marL="343080" indent="-342720" algn="just">
+              <a:lnSpc>
+                <a:spcPts val="2999"/>
+              </a:lnSpc>
+              <a:buSzPct val="100000"/>
+              <a:buBlip>
+                <a:blip r:embed="rId3"/>
+              </a:buBlip>
+            </a:pPr>
+            <a:r>
+              <a:rPr lang="pt-PT" sz="2400" b="0" i="0" dirty="0">
+                <a:solidFill>
+                  <a:schemeClr val="accent1">
+                    <a:lumMod val="50000"/>
+                  </a:schemeClr>
+                </a:solidFill>
+                <a:effectLst/>
+                <a:latin typeface="Calibri" panose="020F0502020204030204" pitchFamily="34" charset="0"/>
+                <a:cs typeface="Calibri" panose="020F0502020204030204" pitchFamily="34" charset="0"/>
+              </a:rPr>
+              <a:t>Increasing gym visibility</a:t>
+            </a:r>
+            <a:r>
+              <a:rPr lang="en-US" sz="2400" b="0" i="0" dirty="0">
+                <a:solidFill>
+                  <a:schemeClr val="accent1">
+                    <a:lumMod val="50000"/>
+                  </a:schemeClr>
+                </a:solidFill>
+                <a:effectLst/>
+                <a:latin typeface="Calibri" panose="020F0502020204030204" pitchFamily="34" charset="0"/>
+                <a:cs typeface="Calibri" panose="020F0502020204030204" pitchFamily="34" charset="0"/>
+              </a:rPr>
+              <a:t>.</a:t>
+            </a:r>
+          </a:p>
+          <a:p>
+            <a:pPr marL="343080" indent="-342720" algn="just">
+              <a:lnSpc>
+                <a:spcPts val="2999"/>
+              </a:lnSpc>
+              <a:buSzPct val="100000"/>
+              <a:buBlip>
+                <a:blip r:embed="rId3"/>
+              </a:buBlip>
+            </a:pPr>
+            <a:endParaRPr lang="en-US" sz="2400" b="0" i="0" dirty="0">
+              <a:solidFill>
+                <a:schemeClr val="accent1">
+                  <a:lumMod val="50000"/>
+                </a:schemeClr>
+              </a:solidFill>
+              <a:effectLst/>
+              <a:latin typeface="Söhne"/>
+            </a:endParaRPr>
+          </a:p>
+        </p:txBody>
+      </p:sp>
+      <p:pic>
+        <p:nvPicPr>
+          <p:cNvPr id="62" name="Imagem 38"/>
+          <p:cNvPicPr/>
+          <p:nvPr/>
+        </p:nvPicPr>
+        <p:blipFill>
+          <a:blip r:embed="rId2"/>
+          <a:stretch/>
+        </p:blipFill>
+        <p:spPr>
+          <a:xfrm>
+            <a:off x="14574240" y="19333080"/>
+            <a:ext cx="304560" cy="367920"/>
+          </a:xfrm>
+          <a:prstGeom prst="rect">
+            <a:avLst/>
+          </a:prstGeom>
+          <a:ln>
+            <a:noFill/>
+          </a:ln>
+        </p:spPr>
+      </p:pic>
+      <p:sp>
+        <p:nvSpPr>
+          <p:cNvPr id="63" name="CustomShape 16"/>
           <p:cNvSpPr/>
           <p:nvPr/>
         </p:nvSpPr>
         <p:spPr>
           <a:xfrm>
-            <a:off x="7918200" y="5695560"/>
-            <a:ext cx="5712120" cy="2768984"/>
-          </a:xfrm>
-          <a:prstGeom prst="rect">
-            <a:avLst/>
-          </a:prstGeom>
-          <a:noFill/>
+            <a:off x="14999760" y="19208160"/>
+            <a:ext cx="4761000" cy="639360"/>
+          </a:xfrm>
+          <a:prstGeom prst="rect">
+            <a:avLst/>
+          </a:prstGeom>
+          <a:solidFill>
+            <a:schemeClr val="bg1"/>
+          </a:solidFill>
           <a:ln>
             <a:noFill/>
           </a:ln>
@@ -3310,216 +3525,46 @@
           <a:fontRef idx="minor"/>
         </p:style>
         <p:txBody>
-          <a:bodyPr wrap="square" lIns="90000" tIns="45000" rIns="90000" bIns="45000">
+          <a:bodyPr lIns="90000" tIns="45000" rIns="90000" bIns="45000" anchor="ctr">
             <a:spAutoFit/>
           </a:bodyPr>
           <a:lstStyle/>
           <a:p>
-            <a:pPr algn="just">
+            <a:pPr>
               <a:lnSpc>
-                <a:spcPts val="2999"/>
+                <a:spcPct val="100000"/>
               </a:lnSpc>
             </a:pPr>
             <a:r>
-              <a:rPr lang="pt-PT" sz="2400" dirty="0">
+              <a:rPr lang="pt-PT" sz="3600" b="1" strike="noStrike" spc="-1" dirty="0">
                 <a:solidFill>
                   <a:srgbClr val="004B87"/>
                 </a:solidFill>
-                <a:latin typeface="Calibri" panose="020F0502020204030204" pitchFamily="34" charset="0"/>
-                <a:ea typeface="Calibri" panose="020F0502020204030204" pitchFamily="34" charset="0"/>
-                <a:cs typeface="Calibri" panose="020F0502020204030204" pitchFamily="34" charset="0"/>
-              </a:rPr>
-              <a:t>Criar um sistema que ajude a gerir um </a:t>
-            </a:r>
-            <a:r>
-              <a:rPr lang="pt-PT" sz="2400" b="0" strike="noStrike" spc="-1" dirty="0" err="1">
-                <a:solidFill>
-                  <a:srgbClr val="004B87"/>
-                </a:solidFill>
-                <a:latin typeface="Calibri" panose="020F0502020204030204" pitchFamily="34" charset="0"/>
-                <a:ea typeface="Calibri" panose="020F0502020204030204" pitchFamily="34" charset="0"/>
-                <a:cs typeface="Calibri" panose="020F0502020204030204" pitchFamily="34" charset="0"/>
-              </a:rPr>
-              <a:t>d</a:t>
-            </a:r>
-            <a:r>
-              <a:rPr lang="pt-PT" sz="2400" dirty="0" err="1">
-                <a:solidFill>
-                  <a:srgbClr val="004B87"/>
-                </a:solidFill>
-                <a:latin typeface="Calibri" panose="020F0502020204030204" pitchFamily="34" charset="0"/>
-                <a:ea typeface="Calibri" panose="020F0502020204030204" pitchFamily="34" charset="0"/>
-                <a:cs typeface="Calibri" panose="020F0502020204030204" pitchFamily="34" charset="0"/>
-              </a:rPr>
-              <a:t>ginásio</a:t>
-            </a:r>
-            <a:r>
-              <a:rPr lang="pt-PT" sz="2400" dirty="0">
-                <a:solidFill>
-                  <a:srgbClr val="004B87"/>
-                </a:solidFill>
-                <a:latin typeface="Calibri" panose="020F0502020204030204" pitchFamily="34" charset="0"/>
-                <a:ea typeface="Calibri" panose="020F0502020204030204" pitchFamily="34" charset="0"/>
-                <a:cs typeface="Calibri" panose="020F0502020204030204" pitchFamily="34" charset="0"/>
-              </a:rPr>
-              <a:t>, ao nível de:</a:t>
-            </a:r>
-          </a:p>
-          <a:p>
-            <a:pPr algn="just">
-              <a:lnSpc>
-                <a:spcPts val="2999"/>
-              </a:lnSpc>
-            </a:pPr>
-            <a:endParaRPr lang="pt-PT" sz="2400" spc="-1" dirty="0">
-              <a:solidFill>
-                <a:schemeClr val="accent1">
-                  <a:lumMod val="50000"/>
-                </a:schemeClr>
-              </a:solidFill>
-              <a:latin typeface="Calibri"/>
-            </a:endParaRPr>
-          </a:p>
-          <a:p>
-            <a:pPr marL="343080" indent="-342720" algn="just">
-              <a:lnSpc>
-                <a:spcPts val="2999"/>
-              </a:lnSpc>
-              <a:buSzPct val="100000"/>
-              <a:buBlip>
-                <a:blip r:embed="rId3"/>
-              </a:buBlip>
-            </a:pPr>
-            <a:r>
-              <a:rPr lang="pt-PT" sz="2400" spc="-1" dirty="0">
-                <a:solidFill>
-                  <a:schemeClr val="accent1">
-                    <a:lumMod val="50000"/>
-                  </a:schemeClr>
-                </a:solidFill>
                 <a:latin typeface="Calibri"/>
               </a:rPr>
-              <a:t>Lotação</a:t>
-            </a:r>
-          </a:p>
-          <a:p>
-            <a:pPr marL="343080" indent="-342720" algn="just">
-              <a:lnSpc>
-                <a:spcPts val="2999"/>
-              </a:lnSpc>
-              <a:buSzPct val="100000"/>
-              <a:buBlip>
-                <a:blip r:embed="rId3"/>
-              </a:buBlip>
-            </a:pPr>
-            <a:r>
-              <a:rPr lang="pt-PT" sz="2400" b="0" strike="noStrike" spc="-1" dirty="0">
-                <a:solidFill>
-                  <a:schemeClr val="accent1">
-                    <a:lumMod val="50000"/>
-                  </a:schemeClr>
-                </a:solidFill>
-                <a:latin typeface="Calibri"/>
-              </a:rPr>
-              <a:t>Utilizadores</a:t>
-            </a:r>
-          </a:p>
-          <a:p>
-            <a:pPr marL="343080" indent="-342720" algn="just">
-              <a:lnSpc>
-                <a:spcPts val="2999"/>
-              </a:lnSpc>
-              <a:buSzPct val="100000"/>
-              <a:buBlip>
-                <a:blip r:embed="rId3"/>
-              </a:buBlip>
-            </a:pPr>
-            <a:r>
-              <a:rPr lang="pt-PT" sz="2400" spc="-1" dirty="0">
-                <a:solidFill>
-                  <a:schemeClr val="accent1">
-                    <a:lumMod val="50000"/>
-                  </a:schemeClr>
-                </a:solidFill>
-                <a:latin typeface="Calibri"/>
-              </a:rPr>
-              <a:t>Artigos de venda</a:t>
-            </a:r>
-          </a:p>
-          <a:p>
-            <a:pPr marL="343080" indent="-342720" algn="just">
-              <a:lnSpc>
-                <a:spcPts val="2999"/>
-              </a:lnSpc>
-              <a:buSzPct val="100000"/>
-              <a:buBlip>
-                <a:blip r:embed="rId3"/>
-              </a:buBlip>
-            </a:pPr>
-            <a:r>
-              <a:rPr lang="pt-PT" sz="2400" b="0" strike="noStrike" spc="-1" dirty="0">
-                <a:solidFill>
-                  <a:schemeClr val="accent1">
-                    <a:lumMod val="50000"/>
-                  </a:schemeClr>
-                </a:solidFill>
-                <a:latin typeface="Calibri"/>
-              </a:rPr>
-              <a:t>Fluxo e entradas/saídas</a:t>
-            </a:r>
-            <a:endParaRPr lang="pt-PT" sz="2400" spc="-1" dirty="0">
-              <a:solidFill>
-                <a:schemeClr val="accent1">
-                  <a:lumMod val="50000"/>
-                </a:schemeClr>
-              </a:solidFill>
-              <a:latin typeface="Calibri"/>
-              <a:ea typeface="Calibri" panose="020F0502020204030204" pitchFamily="34" charset="0"/>
-              <a:cs typeface="Calibri" panose="020F0502020204030204" pitchFamily="34" charset="0"/>
-            </a:endParaRPr>
-          </a:p>
-        </p:txBody>
-      </p:sp>
-      <p:pic>
-        <p:nvPicPr>
-          <p:cNvPr id="62" name="Imagem 38"/>
-          <p:cNvPicPr/>
-          <p:nvPr/>
-        </p:nvPicPr>
-        <p:blipFill>
-          <a:blip r:embed="rId2"/>
-          <a:stretch/>
-        </p:blipFill>
-        <p:spPr>
-          <a:xfrm>
-            <a:off x="14574240" y="19333080"/>
-            <a:ext cx="304560" cy="367920"/>
-          </a:xfrm>
-          <a:prstGeom prst="rect">
-            <a:avLst/>
-          </a:prstGeom>
-          <a:ln>
-            <a:noFill/>
-          </a:ln>
-        </p:spPr>
-      </p:pic>
-      <p:sp>
-        <p:nvSpPr>
-          <p:cNvPr id="63" name="CustomShape 16"/>
+              <a:t>BIBLIOGRAPHY</a:t>
+            </a:r>
+            <a:endParaRPr lang="en-US" sz="3600" b="0" strike="noStrike" spc="-1" dirty="0">
+              <a:latin typeface="Arial"/>
+            </a:endParaRPr>
+          </a:p>
+        </p:txBody>
+      </p:sp>
+      <p:sp>
+        <p:nvSpPr>
+          <p:cNvPr id="64" name="CustomShape 17"/>
           <p:cNvSpPr/>
           <p:nvPr/>
         </p:nvSpPr>
         <p:spPr>
           <a:xfrm>
-            <a:off x="14999760" y="19208160"/>
-            <a:ext cx="4761000" cy="639360"/>
-          </a:xfrm>
-          <a:prstGeom prst="rect">
-            <a:avLst/>
-          </a:prstGeom>
-          <a:solidFill>
-            <a:schemeClr val="bg1"/>
-          </a:solidFill>
+            <a:off x="7689600" y="994680"/>
+            <a:ext cx="12884400" cy="3045534"/>
+          </a:xfrm>
+          <a:prstGeom prst="rect">
+            <a:avLst/>
+          </a:prstGeom>
+          <a:noFill/>
           <a:ln>
             <a:noFill/>
           </a:ln>
@@ -3537,41 +3582,143 @@
           <a:fontRef idx="minor"/>
         </p:style>
         <p:txBody>
-          <a:bodyPr lIns="90000" tIns="45000" rIns="90000" bIns="45000" anchor="ctr">
+          <a:bodyPr lIns="90000" tIns="45000" rIns="90000" bIns="45000">
             <a:spAutoFit/>
           </a:bodyPr>
           <a:lstStyle/>
           <a:p>
             <a:pPr>
               <a:lnSpc>
-                <a:spcPct val="100000"/>
+                <a:spcPts val="3900"/>
               </a:lnSpc>
             </a:pPr>
             <a:r>
-              <a:rPr lang="pt-PT" sz="3600" b="1" strike="noStrike" spc="-1" dirty="0">
+              <a:rPr lang="pt-PT" sz="4000" b="1" spc="-1" dirty="0">
                 <a:solidFill>
                   <a:srgbClr val="004B87"/>
                 </a:solidFill>
                 <a:latin typeface="Calibri"/>
               </a:rPr>
-              <a:t>BIBLIOGRAPHY</a:t>
-            </a:r>
-            <a:endParaRPr lang="en-US" sz="3600" b="0" strike="noStrike" spc="-1" dirty="0">
+              <a:t>Mobile Application to manage a gym and to gym clients</a:t>
+            </a:r>
+            <a:br>
+              <a:rPr lang="pt-PT" sz="3200" b="1" spc="-1" dirty="0">
+                <a:solidFill>
+                  <a:srgbClr val="004B87"/>
+                </a:solidFill>
+                <a:latin typeface="Calibri"/>
+              </a:rPr>
+            </a:br>
+            <a:r>
+              <a:rPr lang="pt-PT" sz="3200" spc="-1" dirty="0">
+                <a:solidFill>
+                  <a:srgbClr val="004B87"/>
+                </a:solidFill>
+                <a:latin typeface="Calibri"/>
+              </a:rPr>
+              <a:t>João Carlos da Costa Apresentação 21152</a:t>
+            </a:r>
+          </a:p>
+          <a:p>
+            <a:pPr>
+              <a:lnSpc>
+                <a:spcPts val="3900"/>
+              </a:lnSpc>
+            </a:pPr>
+            <a:r>
+              <a:rPr lang="pt-PT" sz="3200" strike="noStrike" spc="-1" dirty="0">
+                <a:solidFill>
+                  <a:srgbClr val="004B87"/>
+                </a:solidFill>
+                <a:latin typeface="Calibri"/>
+              </a:rPr>
+              <a:t>Pedro Vieira Simões 21140</a:t>
+            </a:r>
+          </a:p>
+          <a:p>
+            <a:pPr>
+              <a:lnSpc>
+                <a:spcPts val="3900"/>
+              </a:lnSpc>
+            </a:pPr>
+            <a:r>
+              <a:rPr lang="pt-PT" sz="3200" spc="-1" dirty="0">
+                <a:solidFill>
+                  <a:srgbClr val="004B87"/>
+                </a:solidFill>
+                <a:latin typeface="Calibri"/>
+              </a:rPr>
+              <a:t>Gonçalo Moreira da Cunha 21145</a:t>
+            </a:r>
+            <a:endParaRPr lang="en-US" sz="3200" strike="noStrike" spc="-1" dirty="0">
               <a:latin typeface="Arial"/>
             </a:endParaRPr>
           </a:p>
-        </p:txBody>
-      </p:sp>
-      <p:sp>
-        <p:nvSpPr>
-          <p:cNvPr id="64" name="CustomShape 17"/>
+          <a:p>
+            <a:pPr>
+              <a:lnSpc>
+                <a:spcPts val="3900"/>
+              </a:lnSpc>
+            </a:pPr>
+            <a:r>
+              <a:rPr lang="pt-PT" sz="2400" i="1" spc="-1" dirty="0">
+                <a:solidFill>
+                  <a:srgbClr val="004B87"/>
+                </a:solidFill>
+                <a:latin typeface="Calibri"/>
+              </a:rPr>
+              <a:t>Student</a:t>
+            </a:r>
+            <a:r>
+              <a:rPr lang="pt-PT" sz="2400" b="0" i="1" strike="noStrike" spc="-1" dirty="0">
+                <a:solidFill>
+                  <a:srgbClr val="004B87"/>
+                </a:solidFill>
+                <a:latin typeface="Calibri"/>
+              </a:rPr>
+              <a:t> in Computer Engineering</a:t>
+            </a:r>
+          </a:p>
+          <a:p>
+            <a:pPr>
+              <a:lnSpc>
+                <a:spcPts val="3900"/>
+              </a:lnSpc>
+            </a:pPr>
+            <a:r>
+              <a:rPr lang="pt-PT" sz="2400" b="0" strike="noStrike" spc="-1" dirty="0">
+                <a:solidFill>
+                  <a:srgbClr val="004B87"/>
+                </a:solidFill>
+                <a:latin typeface="Calibri"/>
+              </a:rPr>
+              <a:t>Supervisor </a:t>
+            </a:r>
+            <a:r>
+              <a:rPr lang="pt-PT" sz="2400" spc="-1" dirty="0">
+                <a:solidFill>
+                  <a:srgbClr val="004B87"/>
+                </a:solidFill>
+                <a:latin typeface="Calibri"/>
+              </a:rPr>
+              <a:t>Eduardo Peixoto and Patrícia Leite</a:t>
+            </a:r>
+            <a:endParaRPr lang="en-US" sz="2400" b="0" strike="noStrike" spc="-1" dirty="0">
+              <a:latin typeface="Arial"/>
+            </a:endParaRPr>
+          </a:p>
+        </p:txBody>
+      </p:sp>
+      <p:sp>
+        <p:nvSpPr>
+          <p:cNvPr id="65" name="CustomShape 18"/>
           <p:cNvSpPr/>
           <p:nvPr/>
         </p:nvSpPr>
         <p:spPr>
           <a:xfrm>
-            <a:off x="7689600" y="994680"/>
-            <a:ext cx="12884400" cy="3353952"/>
+            <a:off x="14319360" y="19916280"/>
+            <a:ext cx="5646600" cy="5900162"/>
           </a:xfrm>
           <a:prstGeom prst="rect">
             <a:avLst/>
@@ -3599,170 +3746,201 @@
           </a:bodyPr>
           <a:lstStyle/>
           <a:p>
-            <a:pPr>
+            <a:pPr algn="l"/>
+            <a:r>
+              <a:rPr lang="pt-PT" sz="2400" b="0" i="0" dirty="0">
+                <a:solidFill>
+                  <a:schemeClr val="accent1">
+                    <a:lumMod val="50000"/>
+                  </a:schemeClr>
+                </a:solidFill>
+                <a:effectLst/>
+                <a:latin typeface="Calibri" panose="020F0502020204030204" pitchFamily="34" charset="0"/>
+                <a:cs typeface="Calibri" panose="020F0502020204030204" pitchFamily="34" charset="0"/>
+              </a:rPr>
+              <a:t>[1] - "Making GET Requests with Retrofit2 on Android using Kotlin," The Impulson, </a:t>
+            </a:r>
+            <a:r>
+              <a:rPr lang="pt-PT" sz="2400" b="0" i="0" u="sng" dirty="0">
+                <a:solidFill>
+                  <a:schemeClr val="accent1">
+                    <a:lumMod val="50000"/>
+                  </a:schemeClr>
+                </a:solidFill>
+                <a:effectLst/>
+                <a:latin typeface="Calibri" panose="020F0502020204030204" pitchFamily="34" charset="0"/>
+                <a:cs typeface="Calibri" panose="020F0502020204030204" pitchFamily="34" charset="0"/>
+                <a:hlinkClick r:id="rId4">
+                  <a:extLst>
+                    <a:ext uri="{A12FA001-AC4F-418D-AE19-62706E023703}">
+                      <ahyp:hlinkClr xmlns:ahyp="http://schemas.microsoft.com/office/drawing/2018/hyperlinkcolor" val="tx"/>
+                    </a:ext>
+                  </a:extLst>
+                </a:hlinkClick>
+              </a:rPr>
+              <a:t>https://dev.to/theimpulson/make-get-requests-with-retrofit2-on-android-using-kotlin-4e4c</a:t>
+            </a:r>
+            <a:endParaRPr lang="pt-PT" sz="2400" u="sng" dirty="0">
+              <a:solidFill>
+                <a:schemeClr val="accent1">
+                  <a:lumMod val="50000"/>
+                </a:schemeClr>
+              </a:solidFill>
+              <a:latin typeface="Calibri" panose="020F0502020204030204" pitchFamily="34" charset="0"/>
+              <a:cs typeface="Calibri" panose="020F0502020204030204" pitchFamily="34" charset="0"/>
+            </a:endParaRPr>
+          </a:p>
+          <a:p>
+            <a:pPr algn="l"/>
+            <a:br>
+              <a:rPr lang="pt-PT" sz="2400" b="0" i="0" dirty="0">
+                <a:solidFill>
+                  <a:schemeClr val="accent1">
+                    <a:lumMod val="50000"/>
+                  </a:schemeClr>
+                </a:solidFill>
+                <a:effectLst/>
+                <a:latin typeface="Calibri" panose="020F0502020204030204" pitchFamily="34" charset="0"/>
+                <a:cs typeface="Calibri" panose="020F0502020204030204" pitchFamily="34" charset="0"/>
+              </a:rPr>
+            </a:br>
+            <a:r>
+              <a:rPr lang="pt-PT" sz="2400" b="0" i="0" dirty="0">
+                <a:solidFill>
+                  <a:schemeClr val="accent1">
+                    <a:lumMod val="50000"/>
+                  </a:schemeClr>
+                </a:solidFill>
+                <a:effectLst/>
+                <a:latin typeface="Calibri" panose="020F0502020204030204" pitchFamily="34" charset="0"/>
+                <a:cs typeface="Calibri" panose="020F0502020204030204" pitchFamily="34" charset="0"/>
+              </a:rPr>
+              <a:t>[2] - "Android Kotlin Tutorial - Retrofit + PHP + MySQL - CRUD," YouTube, </a:t>
+            </a:r>
+            <a:r>
+              <a:rPr lang="pt-PT" sz="2400" b="0" i="0" u="sng" dirty="0">
+                <a:solidFill>
+                  <a:schemeClr val="accent1">
+                    <a:lumMod val="50000"/>
+                  </a:schemeClr>
+                </a:solidFill>
+                <a:effectLst/>
+                <a:latin typeface="Calibri" panose="020F0502020204030204" pitchFamily="34" charset="0"/>
+                <a:cs typeface="Calibri" panose="020F0502020204030204" pitchFamily="34" charset="0"/>
+                <a:hlinkClick r:id="rId5">
+                  <a:extLst>
+                    <a:ext uri="{A12FA001-AC4F-418D-AE19-62706E023703}">
+                      <ahyp:hlinkClr xmlns:ahyp="http://schemas.microsoft.com/office/drawing/2018/hyperlinkcolor" val="tx"/>
+                    </a:ext>
+                  </a:extLst>
+                </a:hlinkClick>
+              </a:rPr>
+              <a:t>https://www.youtube.com/watch?v=iEXh1-KVeVc</a:t>
+            </a:r>
+            <a:endParaRPr lang="pt-PT" sz="2400" b="0" i="0" dirty="0">
+              <a:solidFill>
+                <a:schemeClr val="accent1">
+                  <a:lumMod val="50000"/>
+                </a:schemeClr>
+              </a:solidFill>
+              <a:effectLst/>
+              <a:latin typeface="Calibri" panose="020F0502020204030204" pitchFamily="34" charset="0"/>
+              <a:cs typeface="Calibri" panose="020F0502020204030204" pitchFamily="34" charset="0"/>
+            </a:endParaRPr>
+          </a:p>
+          <a:p>
+            <a:pPr algn="l"/>
+            <a:endParaRPr lang="pt-PT" sz="2400" b="0" i="0" dirty="0">
+              <a:solidFill>
+                <a:schemeClr val="accent1">
+                  <a:lumMod val="50000"/>
+                </a:schemeClr>
+              </a:solidFill>
+              <a:effectLst/>
+              <a:latin typeface="Calibri" panose="020F0502020204030204" pitchFamily="34" charset="0"/>
+              <a:cs typeface="Calibri" panose="020F0502020204030204" pitchFamily="34" charset="0"/>
+            </a:endParaRPr>
+          </a:p>
+          <a:p>
+            <a:pPr algn="l"/>
+            <a:r>
+              <a:rPr lang="pt-PT" sz="2400" dirty="0">
+                <a:solidFill>
+                  <a:schemeClr val="accent1">
+                    <a:lumMod val="50000"/>
+                  </a:schemeClr>
+                </a:solidFill>
+                <a:latin typeface="Calibri" panose="020F0502020204030204" pitchFamily="34" charset="0"/>
+                <a:cs typeface="Calibri" panose="020F0502020204030204" pitchFamily="34" charset="0"/>
+              </a:rPr>
+              <a:t>[3] - </a:t>
+            </a:r>
+            <a:r>
+              <a:rPr lang="pt-PT" sz="2400" b="0" i="0" dirty="0">
+                <a:solidFill>
+                  <a:schemeClr val="accent1">
+                    <a:lumMod val="50000"/>
+                  </a:schemeClr>
+                </a:solidFill>
+                <a:effectLst/>
+                <a:latin typeface="Calibri" panose="020F0502020204030204" pitchFamily="34" charset="0"/>
+                <a:cs typeface="Calibri" panose="020F0502020204030204" pitchFamily="34" charset="0"/>
+              </a:rPr>
+              <a:t>"Kotlin Android Tutorial - Retrofit + PHP + MySQL," YouTube, </a:t>
+            </a:r>
+            <a:r>
+              <a:rPr lang="pt-PT" sz="2400" b="0" i="0" u="sng" dirty="0">
+                <a:solidFill>
+                  <a:schemeClr val="accent1">
+                    <a:lumMod val="50000"/>
+                  </a:schemeClr>
+                </a:solidFill>
+                <a:effectLst/>
+                <a:latin typeface="Calibri" panose="020F0502020204030204" pitchFamily="34" charset="0"/>
+                <a:cs typeface="Calibri" panose="020F0502020204030204" pitchFamily="34" charset="0"/>
+                <a:hlinkClick r:id="rId6">
+                  <a:extLst>
+                    <a:ext uri="{A12FA001-AC4F-418D-AE19-62706E023703}">
+                      <ahyp:hlinkClr xmlns:ahyp="http://schemas.microsoft.com/office/drawing/2018/hyperlinkcolor" val="tx"/>
+                    </a:ext>
+                  </a:extLst>
+                </a:hlinkClick>
+              </a:rPr>
+              <a:t>https://www.youtube.com/watch?v=jjGjkElvcfc</a:t>
+            </a:r>
+            <a:endParaRPr lang="pt-PT" sz="2400" b="0" i="0" dirty="0">
+              <a:solidFill>
+                <a:schemeClr val="accent1">
+                  <a:lumMod val="50000"/>
+                </a:schemeClr>
+              </a:solidFill>
+              <a:effectLst/>
+              <a:latin typeface="Calibri" panose="020F0502020204030204" pitchFamily="34" charset="0"/>
+              <a:cs typeface="Calibri" panose="020F0502020204030204" pitchFamily="34" charset="0"/>
+            </a:endParaRPr>
+          </a:p>
+          <a:p>
+            <a:pPr algn="just">
               <a:lnSpc>
-                <a:spcPts val="6100"/>
+                <a:spcPts val="2100"/>
               </a:lnSpc>
             </a:pPr>
-            <a:r>
-              <a:rPr lang="pt-PT" sz="6400" b="1" spc="-1" dirty="0">
-                <a:solidFill>
-                  <a:srgbClr val="004B87"/>
-                </a:solidFill>
-                <a:latin typeface="Calibri"/>
-              </a:rPr>
-              <a:t>IPCA GYM</a:t>
-            </a:r>
-            <a:endParaRPr lang="en-US" sz="6400" b="0" strike="noStrike" spc="-1" dirty="0">
+            <a:endParaRPr lang="en-US" sz="1800" b="0" strike="noStrike" spc="-1" dirty="0">
               <a:latin typeface="Arial"/>
             </a:endParaRPr>
           </a:p>
-          <a:p>
-            <a:pPr>
-              <a:lnSpc>
-                <a:spcPts val="3900"/>
-              </a:lnSpc>
-            </a:pPr>
-            <a:r>
-              <a:rPr lang="pt-PT" sz="3200" b="1" spc="-1" dirty="0">
-                <a:solidFill>
-                  <a:srgbClr val="004B87"/>
-                </a:solidFill>
-                <a:latin typeface="Calibri"/>
-              </a:rPr>
-              <a:t>João Carlos da Costa Apresentação 21152</a:t>
-            </a:r>
-          </a:p>
-          <a:p>
-            <a:pPr>
-              <a:lnSpc>
-                <a:spcPts val="3900"/>
-              </a:lnSpc>
-            </a:pPr>
-            <a:r>
-              <a:rPr lang="pt-PT" sz="3200" b="1" strike="noStrike" spc="-1" dirty="0">
-                <a:solidFill>
-                  <a:srgbClr val="004B87"/>
-                </a:solidFill>
-                <a:latin typeface="Calibri"/>
-              </a:rPr>
-              <a:t>Pedro Vieira Simões 21140</a:t>
-            </a:r>
-          </a:p>
-          <a:p>
-            <a:pPr>
-              <a:lnSpc>
-                <a:spcPts val="3900"/>
-              </a:lnSpc>
-            </a:pPr>
-            <a:r>
-              <a:rPr lang="pt-PT" sz="3200" b="1" spc="-1" dirty="0">
-                <a:solidFill>
-                  <a:srgbClr val="004B87"/>
-                </a:solidFill>
-                <a:latin typeface="Calibri"/>
-              </a:rPr>
-              <a:t>Gonçalo Moreira da Cunha 21145</a:t>
-            </a:r>
-            <a:endParaRPr lang="en-US" sz="3200" b="0" strike="noStrike" spc="-1" dirty="0">
-              <a:latin typeface="Arial"/>
-            </a:endParaRPr>
-          </a:p>
-          <a:p>
-            <a:pPr>
-              <a:lnSpc>
-                <a:spcPts val="3900"/>
-              </a:lnSpc>
-            </a:pPr>
-            <a:r>
-              <a:rPr lang="pt-PT" sz="3200" b="0" i="1" strike="noStrike" spc="-1" dirty="0">
-                <a:solidFill>
-                  <a:srgbClr val="004B87"/>
-                </a:solidFill>
-                <a:latin typeface="Calibri"/>
-              </a:rPr>
-              <a:t>Master in </a:t>
-            </a:r>
-            <a:r>
-              <a:rPr lang="pt-PT" sz="3200" b="0" strike="noStrike" spc="-1" dirty="0">
-                <a:solidFill>
-                  <a:srgbClr val="004B87"/>
-                </a:solidFill>
-                <a:latin typeface="Calibri"/>
-              </a:rPr>
-              <a:t>XXXXXX </a:t>
-            </a:r>
-            <a:r>
-              <a:rPr lang="pt-PT" sz="3200" b="0" strike="noStrike" spc="-1" dirty="0" err="1">
-                <a:solidFill>
-                  <a:srgbClr val="004B87"/>
-                </a:solidFill>
-                <a:latin typeface="Calibri"/>
-              </a:rPr>
-              <a:t>XXXXXX</a:t>
-            </a:r>
-            <a:r>
-              <a:rPr lang="pt-PT" sz="3200" b="0" strike="noStrike" spc="-1" dirty="0">
-                <a:solidFill>
-                  <a:srgbClr val="004B87"/>
-                </a:solidFill>
-                <a:latin typeface="Calibri"/>
-              </a:rPr>
-              <a:t> </a:t>
-            </a:r>
-            <a:r>
-              <a:rPr lang="pt-PT" sz="3200" b="0" strike="noStrike" spc="-1" dirty="0" err="1">
-                <a:solidFill>
-                  <a:srgbClr val="004B87"/>
-                </a:solidFill>
-                <a:latin typeface="Calibri"/>
-              </a:rPr>
-              <a:t>XXXXXX</a:t>
-            </a:r>
-            <a:endParaRPr lang="en-US" sz="3200" b="0" strike="noStrike" spc="-1" dirty="0">
-              <a:latin typeface="Arial"/>
-            </a:endParaRPr>
-          </a:p>
-          <a:p>
-            <a:pPr>
-              <a:lnSpc>
-                <a:spcPts val="3900"/>
-              </a:lnSpc>
-            </a:pPr>
-            <a:r>
-              <a:rPr lang="pt-PT" sz="2400" b="0" strike="noStrike" spc="-1" dirty="0">
-                <a:solidFill>
-                  <a:srgbClr val="004B87"/>
-                </a:solidFill>
-                <a:latin typeface="Calibri"/>
-              </a:rPr>
-              <a:t>Supervisor </a:t>
-            </a:r>
-            <a:r>
-              <a:rPr lang="pt-PT" sz="2400" spc="-1" dirty="0">
-                <a:solidFill>
-                  <a:srgbClr val="004B87"/>
-                </a:solidFill>
-                <a:latin typeface="Calibri"/>
-              </a:rPr>
-              <a:t>Eduardo Peixoto and Patrícia Leite</a:t>
-            </a:r>
-            <a:endParaRPr lang="en-US" sz="2400" b="0" strike="noStrike" spc="-1" dirty="0">
-              <a:latin typeface="Arial"/>
-            </a:endParaRPr>
-          </a:p>
-        </p:txBody>
-      </p:sp>
-      <p:sp>
-        <p:nvSpPr>
-          <p:cNvPr id="65" name="CustomShape 18"/>
+        </p:txBody>
+      </p:sp>
+      <p:sp>
+        <p:nvSpPr>
+          <p:cNvPr id="66" name="CustomShape 19"/>
           <p:cNvSpPr/>
           <p:nvPr/>
         </p:nvSpPr>
         <p:spPr>
           <a:xfrm>
-            <a:off x="14457600" y="19916280"/>
-            <a:ext cx="5646600" cy="898792"/>
+            <a:off x="7955280" y="28254960"/>
+            <a:ext cx="5675040" cy="1556024"/>
           </a:xfrm>
           <a:prstGeom prst="rect">
             <a:avLst/>
@@ -3785,100 +3963,194 @@
           <a:fontRef idx="minor"/>
         </p:style>
         <p:txBody>
-          <a:bodyPr lIns="90000" tIns="45000" rIns="90000" bIns="45000">
+          <a:bodyPr wrap="square" lIns="90000" tIns="45000" rIns="90000" bIns="45000">
             <a:spAutoFit/>
           </a:bodyPr>
           <a:lstStyle/>
           <a:p>
-            <a:pPr algn="just">
+            <a:pPr>
               <a:lnSpc>
-                <a:spcPts val="2100"/>
+                <a:spcPts val="1760"/>
               </a:lnSpc>
+              <a:spcAft>
+                <a:spcPts val="601"/>
+              </a:spcAft>
             </a:pPr>
             <a:r>
-              <a:rPr lang="pt-PT" sz="1800" b="0" strike="noStrike" spc="-1" dirty="0">
+              <a:rPr lang="en-GB" sz="1800" b="1" strike="noStrike" spc="-1" dirty="0">
                 <a:solidFill>
                   <a:srgbClr val="004B87"/>
                 </a:solidFill>
                 <a:latin typeface="Calibri"/>
-              </a:rPr>
-              <a:t>Aulas de AMS e PES [?]</a:t>
-            </a:r>
-          </a:p>
-          <a:p>
-            <a:pPr algn="just">
-              <a:lnSpc>
-                <a:spcPts val="2100"/>
-              </a:lnSpc>
-            </a:pPr>
-            <a:r>
-              <a:rPr lang="pt-PT" sz="1800" b="0" strike="noStrike" spc="-1" dirty="0" err="1">
-                <a:solidFill>
-                  <a:srgbClr val="004B87"/>
-                </a:solidFill>
-                <a:latin typeface="Calibri"/>
-              </a:rPr>
-              <a:t>Videos</a:t>
-            </a:r>
-            <a:r>
-              <a:rPr lang="pt-PT" sz="1800" b="0" strike="noStrike" spc="-1" dirty="0">
-                <a:solidFill>
-                  <a:srgbClr val="004B87"/>
-                </a:solidFill>
-                <a:latin typeface="Calibri"/>
-              </a:rPr>
-              <a:t> tutorial</a:t>
-            </a:r>
-          </a:p>
-          <a:p>
-            <a:pPr algn="just">
-              <a:lnSpc>
-                <a:spcPts val="2100"/>
-              </a:lnSpc>
-            </a:pPr>
-            <a:r>
-              <a:rPr lang="pt-PT" spc="-1" dirty="0" err="1">
-                <a:solidFill>
-                  <a:srgbClr val="004B87"/>
-                </a:solidFill>
-                <a:latin typeface="Calibri"/>
-              </a:rPr>
-              <a:t>StackOverflow</a:t>
-            </a:r>
-            <a:r>
-              <a:rPr lang="pt-PT" spc="-1" dirty="0">
-                <a:solidFill>
-                  <a:srgbClr val="004B87"/>
-                </a:solidFill>
-                <a:latin typeface="Calibri"/>
-              </a:rPr>
-              <a:t> o que </a:t>
-            </a:r>
-            <a:r>
-              <a:rPr lang="pt-PT" spc="-1">
-                <a:solidFill>
-                  <a:srgbClr val="004B87"/>
-                </a:solidFill>
-                <a:latin typeface="Calibri"/>
-              </a:rPr>
-              <a:t>foi pesquisado</a:t>
+                <a:ea typeface="Arial"/>
+              </a:rPr>
+              <a:t>CONTACTS</a:t>
             </a:r>
             <a:endParaRPr lang="en-US" sz="1800" b="0" strike="noStrike" spc="-1" dirty="0">
               <a:latin typeface="Arial"/>
             </a:endParaRPr>
           </a:p>
-        </p:txBody>
-      </p:sp>
-      <p:sp>
-        <p:nvSpPr>
-          <p:cNvPr id="66" name="CustomShape 19"/>
+          <a:p>
+            <a:pPr>
+              <a:lnSpc>
+                <a:spcPts val="1760"/>
+              </a:lnSpc>
+              <a:spcAft>
+                <a:spcPts val="601"/>
+              </a:spcAft>
+            </a:pPr>
+            <a:r>
+              <a:rPr lang="en-GB" spc="-1" dirty="0">
+                <a:solidFill>
+                  <a:srgbClr val="004B87"/>
+                </a:solidFill>
+                <a:latin typeface="Calibri"/>
+                <a:ea typeface="Arial"/>
+                <a:hlinkClick r:id="rId7"/>
+              </a:rPr>
+              <a:t>a21152@</a:t>
+            </a:r>
+            <a:r>
+              <a:rPr lang="en-GB" spc="-1" dirty="0">
+                <a:solidFill>
+                  <a:srgbClr val="004B87"/>
+                </a:solidFill>
+                <a:latin typeface="Calibri"/>
+                <a:hlinkClick r:id="rId7"/>
+              </a:rPr>
+              <a:t>alunos.ipca.pt</a:t>
+            </a:r>
+            <a:r>
+              <a:rPr lang="en-US" spc="-1" dirty="0">
+                <a:latin typeface="Arial"/>
+              </a:rPr>
+              <a:t> </a:t>
+            </a:r>
+            <a:r>
+              <a:rPr lang="en-GB" sz="1800" b="0" strike="noStrike" spc="-1" dirty="0">
+                <a:solidFill>
+                  <a:srgbClr val="004B87"/>
+                </a:solidFill>
+                <a:latin typeface="Calibri"/>
+                <a:ea typeface="Arial"/>
+              </a:rPr>
+              <a:t>(João Apresentação)</a:t>
+            </a:r>
+            <a:endParaRPr lang="en-US" sz="1800" b="0" strike="noStrike" spc="-1" dirty="0">
+              <a:latin typeface="Arial"/>
+            </a:endParaRPr>
+          </a:p>
+          <a:p>
+            <a:pPr>
+              <a:lnSpc>
+                <a:spcPts val="1760"/>
+              </a:lnSpc>
+              <a:spcAft>
+                <a:spcPts val="601"/>
+              </a:spcAft>
+            </a:pPr>
+            <a:r>
+              <a:rPr lang="en-GB" spc="-1" dirty="0">
+                <a:solidFill>
+                  <a:srgbClr val="004B87"/>
+                </a:solidFill>
+                <a:latin typeface="Calibri"/>
+                <a:ea typeface="Arial"/>
+                <a:hlinkClick r:id="rId8"/>
+              </a:rPr>
+              <a:t>a21140@</a:t>
+            </a:r>
+            <a:r>
+              <a:rPr lang="en-GB" spc="-1" dirty="0">
+                <a:solidFill>
+                  <a:srgbClr val="004B87"/>
+                </a:solidFill>
+                <a:latin typeface="Calibri"/>
+                <a:hlinkClick r:id="rId8"/>
+              </a:rPr>
+              <a:t>alunos.ipca.pt</a:t>
+            </a:r>
+            <a:r>
+              <a:rPr lang="en-US" spc="-1" dirty="0">
+                <a:latin typeface="Arial"/>
+              </a:rPr>
+              <a:t> </a:t>
+            </a:r>
+            <a:r>
+              <a:rPr lang="en-GB" sz="1800" b="0" strike="noStrike" spc="-1" dirty="0">
+                <a:solidFill>
+                  <a:srgbClr val="004B87"/>
+                </a:solidFill>
+                <a:latin typeface="Calibri"/>
+                <a:ea typeface="Arial"/>
+              </a:rPr>
+              <a:t>(Pedro Simões)</a:t>
+            </a:r>
+          </a:p>
+          <a:p>
+            <a:pPr>
+              <a:lnSpc>
+                <a:spcPts val="1760"/>
+              </a:lnSpc>
+              <a:spcAft>
+                <a:spcPts val="601"/>
+              </a:spcAft>
+            </a:pPr>
+            <a:r>
+              <a:rPr lang="en-GB" spc="-1" dirty="0">
+                <a:solidFill>
+                  <a:srgbClr val="004B87"/>
+                </a:solidFill>
+                <a:latin typeface="Calibri"/>
+                <a:hlinkClick r:id="rId9"/>
+              </a:rPr>
+              <a:t>a21145@alunos.ipca.pt</a:t>
+            </a:r>
+            <a:r>
+              <a:rPr lang="en-GB" spc="-1" dirty="0">
+                <a:solidFill>
+                  <a:srgbClr val="004B87"/>
+                </a:solidFill>
+                <a:latin typeface="Calibri"/>
+              </a:rPr>
+              <a:t> (Gonçalo Cunha)</a:t>
+            </a:r>
+            <a:endParaRPr lang="en-US" sz="1800" b="0" strike="noStrike" spc="-1" dirty="0">
+              <a:latin typeface="Arial"/>
+            </a:endParaRPr>
+          </a:p>
+          <a:p>
+            <a:pPr>
+              <a:lnSpc>
+                <a:spcPts val="1760"/>
+              </a:lnSpc>
+              <a:spcAft>
+                <a:spcPts val="601"/>
+              </a:spcAft>
+            </a:pPr>
+            <a:r>
+              <a:rPr lang="en-GB" sz="1800" b="0" strike="noStrike" spc="-1" dirty="0">
+                <a:solidFill>
+                  <a:srgbClr val="004B87"/>
+                </a:solidFill>
+                <a:latin typeface="Calibri"/>
+                <a:ea typeface="Arial"/>
+              </a:rPr>
+              <a:t>epeixoto@ipca.pt (Eduardo Peixoto)</a:t>
+            </a:r>
+          </a:p>
+        </p:txBody>
+      </p:sp>
+      <p:sp>
+        <p:nvSpPr>
+          <p:cNvPr id="67" name="CustomShape 20"/>
           <p:cNvSpPr/>
           <p:nvPr/>
         </p:nvSpPr>
         <p:spPr>
           <a:xfrm>
-            <a:off x="7955280" y="28254960"/>
-            <a:ext cx="5675040" cy="1556024"/>
+            <a:off x="14144760" y="5695560"/>
+            <a:ext cx="5616000" cy="2384264"/>
           </a:xfrm>
           <a:prstGeom prst="rect">
             <a:avLst/>
@@ -3906,216 +4178,6 @@
           </a:bodyPr>
           <a:lstStyle/>
           <a:p>
-            <a:pPr>
-              <a:lnSpc>
-                <a:spcPts val="1760"/>
-              </a:lnSpc>
-              <a:spcAft>
-                <a:spcPts val="601"/>
-              </a:spcAft>
-            </a:pPr>
-            <a:r>
-              <a:rPr lang="en-GB" sz="1800" b="1" strike="noStrike" spc="-1" dirty="0">
-                <a:solidFill>
-                  <a:srgbClr val="004B87"/>
-                </a:solidFill>
-                <a:latin typeface="Calibri"/>
-                <a:ea typeface="Arial"/>
-              </a:rPr>
-              <a:t>CONTACTS</a:t>
-            </a:r>
-            <a:endParaRPr lang="en-US" sz="1800" b="0" strike="noStrike" spc="-1" dirty="0">
-              <a:latin typeface="Arial"/>
-            </a:endParaRPr>
-          </a:p>
-          <a:p>
-            <a:pPr>
-              <a:lnSpc>
-                <a:spcPts val="1760"/>
-              </a:lnSpc>
-              <a:spcAft>
-                <a:spcPts val="601"/>
-              </a:spcAft>
-            </a:pPr>
-            <a:r>
-              <a:rPr lang="en-GB" spc="-1" dirty="0">
-                <a:solidFill>
-                  <a:srgbClr val="004B87"/>
-                </a:solidFill>
-                <a:latin typeface="Calibri"/>
-                <a:ea typeface="Arial"/>
-                <a:hlinkClick r:id="rId4"/>
-              </a:rPr>
-              <a:t>a21152@</a:t>
-            </a:r>
-            <a:r>
-              <a:rPr lang="en-GB" spc="-1" dirty="0">
-                <a:solidFill>
-                  <a:srgbClr val="004B87"/>
-                </a:solidFill>
-                <a:latin typeface="Calibri"/>
-                <a:hlinkClick r:id="rId4"/>
-              </a:rPr>
-              <a:t>alunos.ipca.pt</a:t>
-            </a:r>
-            <a:r>
-              <a:rPr lang="en-US" spc="-1" dirty="0">
-                <a:latin typeface="Arial"/>
-              </a:rPr>
-              <a:t> </a:t>
-            </a:r>
-            <a:r>
-              <a:rPr lang="en-GB" sz="1800" b="0" strike="noStrike" spc="-1" dirty="0">
-                <a:solidFill>
-                  <a:srgbClr val="004B87"/>
-                </a:solidFill>
-                <a:latin typeface="Calibri"/>
-                <a:ea typeface="Arial"/>
-              </a:rPr>
-              <a:t>(João Apresentação)</a:t>
-            </a:r>
-            <a:endParaRPr lang="en-US" sz="1800" b="0" strike="noStrike" spc="-1" dirty="0">
-              <a:latin typeface="Arial"/>
-            </a:endParaRPr>
-          </a:p>
-          <a:p>
-            <a:pPr>
-              <a:lnSpc>
-                <a:spcPts val="1760"/>
-              </a:lnSpc>
-              <a:spcAft>
-                <a:spcPts val="601"/>
-              </a:spcAft>
-            </a:pPr>
-            <a:r>
-              <a:rPr lang="en-GB" spc="-1" dirty="0">
-                <a:solidFill>
-                  <a:srgbClr val="004B87"/>
-                </a:solidFill>
-                <a:latin typeface="Calibri"/>
-                <a:ea typeface="Arial"/>
-                <a:hlinkClick r:id="rId5"/>
-              </a:rPr>
-              <a:t>a21140@</a:t>
-            </a:r>
-            <a:r>
-              <a:rPr lang="en-GB" spc="-1" dirty="0">
-                <a:solidFill>
-                  <a:srgbClr val="004B87"/>
-                </a:solidFill>
-                <a:latin typeface="Calibri"/>
-                <a:hlinkClick r:id="rId5"/>
-              </a:rPr>
-              <a:t>alunos.ipca.pt</a:t>
-            </a:r>
-            <a:r>
-              <a:rPr lang="en-US" spc="-1" dirty="0">
-                <a:latin typeface="Arial"/>
-              </a:rPr>
-              <a:t> </a:t>
-            </a:r>
-            <a:r>
-              <a:rPr lang="en-GB" sz="1800" b="0" strike="noStrike" spc="-1" dirty="0">
-                <a:solidFill>
-                  <a:srgbClr val="004B87"/>
-                </a:solidFill>
-                <a:latin typeface="Calibri"/>
-                <a:ea typeface="Arial"/>
-              </a:rPr>
-              <a:t>(Pedro Simões)</a:t>
-            </a:r>
-          </a:p>
-          <a:p>
-            <a:pPr>
-              <a:lnSpc>
-                <a:spcPts val="1760"/>
-              </a:lnSpc>
-              <a:spcAft>
-                <a:spcPts val="601"/>
-              </a:spcAft>
-            </a:pPr>
-            <a:r>
-              <a:rPr lang="en-GB" spc="-1" dirty="0">
-                <a:solidFill>
-                  <a:srgbClr val="004B87"/>
-                </a:solidFill>
-                <a:latin typeface="Calibri"/>
-                <a:hlinkClick r:id="rId6"/>
-              </a:rPr>
-              <a:t>a21145@alunos.ipca.pt</a:t>
-            </a:r>
-            <a:r>
-              <a:rPr lang="en-GB" spc="-1" dirty="0">
-                <a:solidFill>
-                  <a:srgbClr val="004B87"/>
-                </a:solidFill>
-                <a:latin typeface="Calibri"/>
-              </a:rPr>
-              <a:t> (Gonçalo Cunha)</a:t>
-            </a:r>
-            <a:endParaRPr lang="en-US" sz="1800" b="0" strike="noStrike" spc="-1" dirty="0">
-              <a:latin typeface="Arial"/>
-            </a:endParaRPr>
-          </a:p>
-          <a:p>
-            <a:pPr>
-              <a:lnSpc>
-                <a:spcPts val="1760"/>
-              </a:lnSpc>
-              <a:spcAft>
-                <a:spcPts val="601"/>
-              </a:spcAft>
-            </a:pPr>
-            <a:r>
-              <a:rPr lang="en-GB" sz="1800" b="0" strike="noStrike" spc="-1" dirty="0">
-                <a:solidFill>
-                  <a:srgbClr val="004B87"/>
-                </a:solidFill>
-                <a:latin typeface="Calibri"/>
-                <a:ea typeface="Arial"/>
-              </a:rPr>
-              <a:t>epeixoto@ipca.pt (Eduardo Peixoto)</a:t>
-            </a:r>
-          </a:p>
-        </p:txBody>
-      </p:sp>
-      <p:sp>
-        <p:nvSpPr>
-          <p:cNvPr id="67" name="CustomShape 20"/>
-          <p:cNvSpPr/>
-          <p:nvPr/>
-        </p:nvSpPr>
-        <p:spPr>
-          <a:xfrm>
-            <a:off x="14144760" y="5695560"/>
-            <a:ext cx="5616000" cy="2766611"/>
-          </a:xfrm>
-          <a:prstGeom prst="rect">
-            <a:avLst/>
-          </a:prstGeom>
-          <a:noFill/>
-          <a:ln>
-            <a:noFill/>
-          </a:ln>
-        </p:spPr>
-        <p:style>
-          <a:lnRef idx="0">
-            <a:scrgbClr r="0" g="0" b="0"/>
-          </a:lnRef>
-          <a:fillRef idx="0">
-            <a:scrgbClr r="0" g="0" b="0"/>
-          </a:fillRef>
-          <a:effectRef idx="0">
-            <a:scrgbClr r="0" g="0" b="0"/>
-          </a:effectRef>
-          <a:fontRef idx="minor"/>
-        </p:style>
-        <p:txBody>
-          <a:bodyPr wrap="square" lIns="90000" tIns="45000" rIns="90000" bIns="45000">
-            <a:spAutoFit/>
-          </a:bodyPr>
-          <a:lstStyle/>
-          <a:p>
             <a:pPr algn="just">
               <a:lnSpc>
                 <a:spcPts val="2999"/>
@@ -4132,7 +4194,7 @@
                 <a:ea typeface="Calibri" panose="020F0502020204030204" pitchFamily="34" charset="0"/>
                 <a:cs typeface="Calibri" panose="020F0502020204030204" pitchFamily="34" charset="0"/>
               </a:rPr>
-              <a:t>Criar uma aplicação que ajude os utilizadores, ao nível de:</a:t>
+              <a:t>Provide to gym clients:</a:t>
             </a:r>
           </a:p>
           <a:p>
@@ -4163,24 +4225,30 @@
               </a:buBlip>
             </a:pPr>
             <a:r>
-              <a:rPr lang="pt-PT" sz="2400" spc="-1" dirty="0">
+              <a:rPr lang="en-US" sz="2400" b="0" i="0" dirty="0">
                 <a:solidFill>
                   <a:schemeClr val="accent1">
                     <a:lumMod val="50000"/>
                   </a:schemeClr>
                 </a:solidFill>
-                <a:latin typeface="Calibri"/>
-              </a:rPr>
-              <a:t>Procurar as melhores horas de utilização de ginásio</a:t>
-            </a:r>
-            <a:endParaRPr lang="en-US" sz="2400" b="0" strike="noStrike" spc="-1" dirty="0">
-              <a:solidFill>
-                <a:schemeClr val="accent1">
-                  <a:lumMod val="50000"/>
-                </a:schemeClr>
-              </a:solidFill>
-              <a:latin typeface="Arial"/>
-            </a:endParaRPr>
+                <a:effectLst/>
+                <a:latin typeface="Söhne"/>
+              </a:rPr>
+              <a:t>Access to personalized workout plans</a:t>
+            </a:r>
+            <a:r>
+              <a:rPr lang="en-US" sz="2400" b="0" i="0" spc="-1" dirty="0">
+                <a:solidFill>
+                  <a:schemeClr val="accent1">
+                    <a:lumMod val="50000"/>
+                  </a:schemeClr>
+                </a:solidFill>
+                <a:effectLst/>
+                <a:latin typeface="Calibri" panose="020F0502020204030204" pitchFamily="34" charset="0"/>
+                <a:cs typeface="Calibri" panose="020F0502020204030204" pitchFamily="34" charset="0"/>
+              </a:rPr>
+              <a:t>;</a:t>
+            </a:r>
           </a:p>
           <a:p>
             <a:pPr marL="343080" indent="-342720" algn="just">
@@ -4193,24 +4261,17 @@
               </a:buBlip>
             </a:pPr>
             <a:r>
-              <a:rPr lang="pt-PT" sz="2400" b="0" strike="noStrike" spc="-1" dirty="0">
+              <a:rPr lang="pt-PT" sz="2400" b="0" i="0" dirty="0">
                 <a:solidFill>
                   <a:schemeClr val="accent1">
                     <a:lumMod val="50000"/>
                   </a:schemeClr>
                 </a:solidFill>
-                <a:latin typeface="Calibri"/>
-              </a:rPr>
-              <a:t>Facilitar o treino</a:t>
-            </a:r>
-            <a:endParaRPr lang="en-US" sz="2400" b="0" strike="noStrike" spc="-1" dirty="0">
-              <a:solidFill>
-                <a:schemeClr val="accent1">
-                  <a:lumMod val="50000"/>
-                </a:schemeClr>
-              </a:solidFill>
-              <a:latin typeface="Arial"/>
-            </a:endParaRPr>
+                <a:effectLst/>
+                <a:latin typeface="Söhne"/>
+              </a:rPr>
+              <a:t>Access to nutrition plans;</a:t>
+            </a:r>
           </a:p>
           <a:p>
             <a:pPr marL="343080" indent="-342720" algn="just">
@@ -4223,31 +4284,241 @@
               </a:buBlip>
             </a:pPr>
             <a:r>
-              <a:rPr lang="pt-PT" sz="2400" b="0" strike="noStrike" spc="-1" dirty="0">
+              <a:rPr lang="pt-PT" sz="2400" b="0" i="0" dirty="0">
                 <a:solidFill>
                   <a:schemeClr val="accent1">
                     <a:lumMod val="50000"/>
                   </a:schemeClr>
                 </a:solidFill>
-                <a:latin typeface="Calibri"/>
-              </a:rPr>
-              <a:t>Entregar uma gama de produtos </a:t>
-            </a:r>
-            <a:r>
-              <a:rPr lang="pt-PT" sz="2400" b="0" strike="noStrike" spc="-1" dirty="0">
-                <a:solidFill>
-                  <a:srgbClr val="004B87"/>
-                </a:solidFill>
-                <a:latin typeface="Calibri"/>
-              </a:rPr>
-              <a:t>e planos</a:t>
-            </a:r>
-            <a:endParaRPr lang="en-US" sz="2400" b="0" strike="noStrike" spc="-1" dirty="0">
-              <a:latin typeface="Arial"/>
-            </a:endParaRPr>
-          </a:p>
-        </p:txBody>
-      </p:sp>
+                <a:effectLst/>
+                <a:latin typeface="Söhne"/>
+              </a:rPr>
+              <a:t>Monitoring gym attendance</a:t>
+            </a:r>
+            <a:r>
+              <a:rPr lang="pt-PT" sz="2400" dirty="0">
+                <a:solidFill>
+                  <a:schemeClr val="accent1">
+                    <a:lumMod val="50000"/>
+                  </a:schemeClr>
+                </a:solidFill>
+                <a:latin typeface="Söhne"/>
+              </a:rPr>
+              <a:t>;</a:t>
+            </a:r>
+          </a:p>
+          <a:p>
+            <a:pPr marL="343080" indent="-342720" algn="just">
+              <a:lnSpc>
+                <a:spcPts val="2999"/>
+              </a:lnSpc>
+              <a:buSzPct val="100000"/>
+              <a:buBlip>
+                <a:blip r:embed="rId3"/>
+              </a:buBlip>
+            </a:pPr>
+            <a:r>
+              <a:rPr lang="pt-PT" sz="2400" b="0" i="0" dirty="0">
+                <a:solidFill>
+                  <a:schemeClr val="accent1">
+                    <a:lumMod val="50000"/>
+                  </a:schemeClr>
+                </a:solidFill>
+                <a:effectLst/>
+                <a:latin typeface="Söhne"/>
+              </a:rPr>
+              <a:t>Access to support resources;</a:t>
+            </a:r>
+            <a:endParaRPr lang="pt-PT" sz="2400" spc="-1" dirty="0">
+              <a:solidFill>
+                <a:schemeClr val="accent1">
+                  <a:lumMod val="50000"/>
+                </a:schemeClr>
+              </a:solidFill>
+              <a:latin typeface="Calibri"/>
+            </a:endParaRPr>
+          </a:p>
+        </p:txBody>
+      </p:sp>
+      <p:pic>
+        <p:nvPicPr>
+          <p:cNvPr id="3" name="Imagem 2">
+            <a:extLst>
+              <a:ext uri="{FF2B5EF4-FFF2-40B4-BE49-F238E27FC236}">
+                <a16:creationId xmlns:a16="http://schemas.microsoft.com/office/drawing/2014/main" id="{7F4D668A-0A9B-05BE-9FDD-D93040E0D397}"/>
+              </a:ext>
+            </a:extLst>
+          </p:cNvPr>
+          <p:cNvPicPr>
+            <a:picLocks noChangeAspect="1"/>
+          </p:cNvPicPr>
+          <p:nvPr/>
+        </p:nvPicPr>
+        <p:blipFill rotWithShape="1">
+          <a:blip r:embed="rId10">
+            <a:extLst>
+              <a:ext uri="{28A0092B-C50C-407E-A947-70E740481C1C}">
+                <a14:useLocalDpi xmlns:a14="http://schemas.microsoft.com/office/drawing/2010/main" val="0"/>
+              </a:ext>
+            </a:extLst>
+          </a:blip>
+          <a:srcRect l="8101" t="33546" r="10767" b="34813"/>
+          <a:stretch/>
+        </p:blipFill>
+        <p:spPr>
+          <a:xfrm>
+            <a:off x="1525679" y="11102165"/>
+            <a:ext cx="5151241" cy="2008936"/>
+          </a:xfrm>
+          <a:prstGeom prst="rect">
+            <a:avLst/>
+          </a:prstGeom>
+        </p:spPr>
+      </p:pic>
+      <p:pic>
+        <p:nvPicPr>
+          <p:cNvPr id="5" name="Imagem 4">
+            <a:extLst>
+              <a:ext uri="{FF2B5EF4-FFF2-40B4-BE49-F238E27FC236}">
+                <a16:creationId xmlns:a16="http://schemas.microsoft.com/office/drawing/2014/main" id="{6F0883D8-4239-E2B0-0FFE-9DBE2FA0101A}"/>
+              </a:ext>
+            </a:extLst>
+          </p:cNvPr>
+          <p:cNvPicPr>
+            <a:picLocks noChangeAspect="1"/>
+          </p:cNvPicPr>
+          <p:nvPr/>
+        </p:nvPicPr>
+        <p:blipFill>
+          <a:blip r:embed="rId11">
+            <a:extLst>
+              <a:ext uri="{28A0092B-C50C-407E-A947-70E740481C1C}">
+                <a14:useLocalDpi xmlns:a14="http://schemas.microsoft.com/office/drawing/2010/main" val="0"/>
+              </a:ext>
+            </a:extLst>
+          </a:blip>
+          <a:stretch>
+            <a:fillRect/>
+          </a:stretch>
+        </p:blipFill>
+        <p:spPr>
+          <a:xfrm>
+            <a:off x="16707052" y="16482646"/>
+            <a:ext cx="1121045" cy="1315702"/>
+          </a:xfrm>
+          <a:prstGeom prst="rect">
+            <a:avLst/>
+          </a:prstGeom>
+        </p:spPr>
+      </p:pic>
+      <p:pic>
+        <p:nvPicPr>
+          <p:cNvPr id="7" name="Imagem 6">
+            <a:extLst>
+              <a:ext uri="{FF2B5EF4-FFF2-40B4-BE49-F238E27FC236}">
+                <a16:creationId xmlns:a16="http://schemas.microsoft.com/office/drawing/2014/main" id="{E5C3BA90-3E34-1913-E823-5BAD589BF8D3}"/>
+              </a:ext>
+            </a:extLst>
+          </p:cNvPr>
+          <p:cNvPicPr>
+            <a:picLocks noChangeAspect="1"/>
+          </p:cNvPicPr>
+          <p:nvPr/>
+        </p:nvPicPr>
+        <p:blipFill>
+          <a:blip r:embed="rId12">
+            <a:extLst>
+              <a:ext uri="{28A0092B-C50C-407E-A947-70E740481C1C}">
+                <a14:useLocalDpi xmlns:a14="http://schemas.microsoft.com/office/drawing/2010/main" val="0"/>
+              </a:ext>
+            </a:extLst>
+          </a:blip>
+          <a:stretch>
+            <a:fillRect/>
+          </a:stretch>
+        </p:blipFill>
+        <p:spPr>
+          <a:xfrm>
+            <a:off x="18497163" y="16482646"/>
+            <a:ext cx="1263597" cy="1358004"/>
+          </a:xfrm>
+          <a:prstGeom prst="rect">
+            <a:avLst/>
+          </a:prstGeom>
+        </p:spPr>
+      </p:pic>
+      <p:pic>
+        <p:nvPicPr>
+          <p:cNvPr id="9" name="Imagem 8">
+            <a:extLst>
+              <a:ext uri="{FF2B5EF4-FFF2-40B4-BE49-F238E27FC236}">
+                <a16:creationId xmlns:a16="http://schemas.microsoft.com/office/drawing/2014/main" id="{256CF174-7E11-C69E-6247-3B5205850CFE}"/>
+              </a:ext>
+            </a:extLst>
+          </p:cNvPr>
+          <p:cNvPicPr>
+            <a:picLocks noChangeAspect="1"/>
+          </p:cNvPicPr>
+          <p:nvPr/>
+        </p:nvPicPr>
+        <p:blipFill>
+          <a:blip r:embed="rId13">
+            <a:extLst>
+              <a:ext uri="{28A0092B-C50C-407E-A947-70E740481C1C}">
+                <a14:useLocalDpi xmlns:a14="http://schemas.microsoft.com/office/drawing/2010/main" val="0"/>
+              </a:ext>
+            </a:extLst>
+          </a:blip>
+          <a:stretch>
+            <a:fillRect/>
+          </a:stretch>
+        </p:blipFill>
+        <p:spPr>
+          <a:xfrm>
+            <a:off x="14722283" y="16503796"/>
+            <a:ext cx="1315703" cy="1315703"/>
+          </a:xfrm>
+          <a:prstGeom prst="rect">
+            <a:avLst/>
+          </a:prstGeom>
+        </p:spPr>
+      </p:pic>
+      <p:pic>
+        <p:nvPicPr>
+          <p:cNvPr id="13" name="Imagem 12">
+            <a:extLst>
+              <a:ext uri="{FF2B5EF4-FFF2-40B4-BE49-F238E27FC236}">
+                <a16:creationId xmlns:a16="http://schemas.microsoft.com/office/drawing/2014/main" id="{BED60764-C0DA-6937-D622-AA477DE1BAA6}"/>
+              </a:ext>
+            </a:extLst>
+          </p:cNvPr>
+          <p:cNvPicPr>
+            <a:picLocks noChangeAspect="1"/>
+          </p:cNvPicPr>
+          <p:nvPr/>
+        </p:nvPicPr>
+        <p:blipFill>
+          <a:blip r:embed="rId14">
+            <a:extLst>
+              <a:ext uri="{28A0092B-C50C-407E-A947-70E740481C1C}">
+                <a14:useLocalDpi xmlns:a14="http://schemas.microsoft.com/office/drawing/2010/main" val="0"/>
+              </a:ext>
+            </a:extLst>
+          </a:blip>
+          <a:stretch>
+            <a:fillRect/>
+          </a:stretch>
+        </p:blipFill>
+        <p:spPr>
+          <a:xfrm>
+            <a:off x="2318185" y="13634415"/>
+            <a:ext cx="3566228" cy="5094611"/>
+          </a:xfrm>
+          <a:prstGeom prst="rect">
+            <a:avLst/>
+          </a:prstGeom>
+        </p:spPr>
+      </p:pic>
     </p:spTree>
   </p:cSld>
   <p:clrMapOvr>
